--- a/论文写作/New Microsoft PowerPoint Presentation.pptx
+++ b/论文写作/New Microsoft PowerPoint Presentation.pptx
@@ -10,6 +10,7 @@
     <p:sldId id="261" r:id="rId4"/>
     <p:sldId id="262" r:id="rId5"/>
     <p:sldId id="263" r:id="rId6"/>
+    <p:sldId id="265" r:id="rId7"/>
   </p:sldIdLst>
   <p:sldSz cx="12192000" cy="6858000"/>
   <p:notesSz cx="6858000" cy="9144000"/>
@@ -265,7 +266,7 @@
           <a:p>
             <a:fld id="{62D3E3FC-7046-4F78-890E-8212377423F9}" type="datetimeFigureOut">
               <a:rPr lang="zh-SG" altLang="en-US" smtClean="0"/>
-              <a:t>2/5/2023</a:t>
+              <a:t>15/5/2023</a:t>
             </a:fld>
             <a:endParaRPr lang="zh-SG" altLang="en-US"/>
           </a:p>
@@ -465,7 +466,7 @@
           <a:p>
             <a:fld id="{62D3E3FC-7046-4F78-890E-8212377423F9}" type="datetimeFigureOut">
               <a:rPr lang="zh-SG" altLang="en-US" smtClean="0"/>
-              <a:t>2/5/2023</a:t>
+              <a:t>15/5/2023</a:t>
             </a:fld>
             <a:endParaRPr lang="zh-SG" altLang="en-US"/>
           </a:p>
@@ -675,7 +676,7 @@
           <a:p>
             <a:fld id="{62D3E3FC-7046-4F78-890E-8212377423F9}" type="datetimeFigureOut">
               <a:rPr lang="zh-SG" altLang="en-US" smtClean="0"/>
-              <a:t>2/5/2023</a:t>
+              <a:t>15/5/2023</a:t>
             </a:fld>
             <a:endParaRPr lang="zh-SG" altLang="en-US"/>
           </a:p>
@@ -875,7 +876,7 @@
           <a:p>
             <a:fld id="{62D3E3FC-7046-4F78-890E-8212377423F9}" type="datetimeFigureOut">
               <a:rPr lang="zh-SG" altLang="en-US" smtClean="0"/>
-              <a:t>2/5/2023</a:t>
+              <a:t>15/5/2023</a:t>
             </a:fld>
             <a:endParaRPr lang="zh-SG" altLang="en-US"/>
           </a:p>
@@ -1151,7 +1152,7 @@
           <a:p>
             <a:fld id="{62D3E3FC-7046-4F78-890E-8212377423F9}" type="datetimeFigureOut">
               <a:rPr lang="zh-SG" altLang="en-US" smtClean="0"/>
-              <a:t>2/5/2023</a:t>
+              <a:t>15/5/2023</a:t>
             </a:fld>
             <a:endParaRPr lang="zh-SG" altLang="en-US"/>
           </a:p>
@@ -1419,7 +1420,7 @@
           <a:p>
             <a:fld id="{62D3E3FC-7046-4F78-890E-8212377423F9}" type="datetimeFigureOut">
               <a:rPr lang="zh-SG" altLang="en-US" smtClean="0"/>
-              <a:t>2/5/2023</a:t>
+              <a:t>15/5/2023</a:t>
             </a:fld>
             <a:endParaRPr lang="zh-SG" altLang="en-US"/>
           </a:p>
@@ -1834,7 +1835,7 @@
           <a:p>
             <a:fld id="{62D3E3FC-7046-4F78-890E-8212377423F9}" type="datetimeFigureOut">
               <a:rPr lang="zh-SG" altLang="en-US" smtClean="0"/>
-              <a:t>2/5/2023</a:t>
+              <a:t>15/5/2023</a:t>
             </a:fld>
             <a:endParaRPr lang="zh-SG" altLang="en-US"/>
           </a:p>
@@ -1976,7 +1977,7 @@
           <a:p>
             <a:fld id="{62D3E3FC-7046-4F78-890E-8212377423F9}" type="datetimeFigureOut">
               <a:rPr lang="zh-SG" altLang="en-US" smtClean="0"/>
-              <a:t>2/5/2023</a:t>
+              <a:t>15/5/2023</a:t>
             </a:fld>
             <a:endParaRPr lang="zh-SG" altLang="en-US"/>
           </a:p>
@@ -2089,7 +2090,7 @@
           <a:p>
             <a:fld id="{62D3E3FC-7046-4F78-890E-8212377423F9}" type="datetimeFigureOut">
               <a:rPr lang="zh-SG" altLang="en-US" smtClean="0"/>
-              <a:t>2/5/2023</a:t>
+              <a:t>15/5/2023</a:t>
             </a:fld>
             <a:endParaRPr lang="zh-SG" altLang="en-US"/>
           </a:p>
@@ -2402,7 +2403,7 @@
           <a:p>
             <a:fld id="{62D3E3FC-7046-4F78-890E-8212377423F9}" type="datetimeFigureOut">
               <a:rPr lang="zh-SG" altLang="en-US" smtClean="0"/>
-              <a:t>2/5/2023</a:t>
+              <a:t>15/5/2023</a:t>
             </a:fld>
             <a:endParaRPr lang="zh-SG" altLang="en-US"/>
           </a:p>
@@ -2691,7 +2692,7 @@
           <a:p>
             <a:fld id="{62D3E3FC-7046-4F78-890E-8212377423F9}" type="datetimeFigureOut">
               <a:rPr lang="zh-SG" altLang="en-US" smtClean="0"/>
-              <a:t>2/5/2023</a:t>
+              <a:t>15/5/2023</a:t>
             </a:fld>
             <a:endParaRPr lang="zh-SG" altLang="en-US"/>
           </a:p>
@@ -2934,7 +2935,7 @@
           <a:p>
             <a:fld id="{62D3E3FC-7046-4F78-890E-8212377423F9}" type="datetimeFigureOut">
               <a:rPr lang="zh-SG" altLang="en-US" smtClean="0"/>
-              <a:t>2/5/2023</a:t>
+              <a:t>15/5/2023</a:t>
             </a:fld>
             <a:endParaRPr lang="zh-SG" altLang="en-US"/>
           </a:p>
@@ -3470,9 +3471,9 @@
         <p:grpSpPr>
           <a:xfrm>
             <a:off x="3344333" y="1134533"/>
-            <a:ext cx="3843866" cy="307777"/>
+            <a:ext cx="5116086" cy="307777"/>
             <a:chOff x="3344333" y="1134533"/>
-            <a:chExt cx="3843866" cy="307777"/>
+            <a:chExt cx="5116086" cy="307777"/>
           </a:xfrm>
         </p:grpSpPr>
         <p:cxnSp>
@@ -3531,7 +3532,7 @@
           <p:spPr>
             <a:xfrm>
               <a:off x="6527800" y="1134533"/>
-              <a:ext cx="660399" cy="307777"/>
+              <a:ext cx="1932619" cy="307777"/>
             </a:xfrm>
             <a:prstGeom prst="rect">
               <a:avLst/>
@@ -3545,234 +3546,14 @@
             <a:lstStyle/>
             <a:p>
               <a:r>
-                <a:rPr lang="en-US" altLang="zh-CN" sz="1400" dirty="0">
+                <a:rPr lang="zh-CN" altLang="en-US" sz="1400" dirty="0">
                   <a:solidFill>
                     <a:schemeClr val="accent2">
                       <a:lumMod val="75000"/>
                     </a:schemeClr>
                   </a:solidFill>
                 </a:rPr>
-                <a:t>merge</a:t>
-              </a:r>
-              <a:endParaRPr lang="zh-SG" altLang="en-US" sz="1400" dirty="0">
-                <a:solidFill>
-                  <a:schemeClr val="accent2">
-                    <a:lumMod val="75000"/>
-                  </a:schemeClr>
-                </a:solidFill>
-              </a:endParaRPr>
-            </a:p>
-          </p:txBody>
-        </p:sp>
-      </p:grpSp>
-      <p:grpSp>
-        <p:nvGrpSpPr>
-          <p:cNvPr id="27" name="组合 26">
-            <a:extLst>
-              <a:ext uri="{FF2B5EF4-FFF2-40B4-BE49-F238E27FC236}">
-                <a16:creationId xmlns:a16="http://schemas.microsoft.com/office/drawing/2014/main" id="{81EE73C0-D75F-4EA6-9111-5BC60F5EDBA7}"/>
-              </a:ext>
-            </a:extLst>
-          </p:cNvPr>
-          <p:cNvGrpSpPr/>
-          <p:nvPr/>
-        </p:nvGrpSpPr>
-        <p:grpSpPr>
-          <a:xfrm>
-            <a:off x="3344333" y="1608322"/>
-            <a:ext cx="3843866" cy="307777"/>
-            <a:chOff x="3344333" y="1608322"/>
-            <a:chExt cx="3843866" cy="307777"/>
-          </a:xfrm>
-        </p:grpSpPr>
-        <p:cxnSp>
-          <p:nvCxnSpPr>
-            <p:cNvPr id="14" name="直接连接符 13">
-              <a:extLst>
-                <a:ext uri="{FF2B5EF4-FFF2-40B4-BE49-F238E27FC236}">
-                  <a16:creationId xmlns:a16="http://schemas.microsoft.com/office/drawing/2014/main" id="{EA513B58-D39A-4436-9445-55F93854FF14}"/>
-                </a:ext>
-              </a:extLst>
-            </p:cNvPr>
-            <p:cNvCxnSpPr>
-              <a:cxnSpLocks/>
-            </p:cNvCxnSpPr>
-            <p:nvPr/>
-          </p:nvCxnSpPr>
-          <p:spPr>
-            <a:xfrm>
-              <a:off x="3344333" y="1879601"/>
-              <a:ext cx="3750734" cy="0"/>
-            </a:xfrm>
-            <a:prstGeom prst="line">
-              <a:avLst/>
-            </a:prstGeom>
-            <a:ln w="12700">
-              <a:prstDash val="dashDot"/>
-            </a:ln>
-          </p:spPr>
-          <p:style>
-            <a:lnRef idx="1">
-              <a:schemeClr val="accent2"/>
-            </a:lnRef>
-            <a:fillRef idx="0">
-              <a:schemeClr val="accent2"/>
-            </a:fillRef>
-            <a:effectRef idx="0">
-              <a:schemeClr val="accent2"/>
-            </a:effectRef>
-            <a:fontRef idx="minor">
-              <a:schemeClr val="tx1"/>
-            </a:fontRef>
-          </p:style>
-        </p:cxnSp>
-        <p:sp>
-          <p:nvSpPr>
-            <p:cNvPr id="21" name="文本框 20">
-              <a:extLst>
-                <a:ext uri="{FF2B5EF4-FFF2-40B4-BE49-F238E27FC236}">
-                  <a16:creationId xmlns:a16="http://schemas.microsoft.com/office/drawing/2014/main" id="{A70CEC6E-6ED5-42CD-AD4C-F9323EE78303}"/>
-                </a:ext>
-              </a:extLst>
-            </p:cNvPr>
-            <p:cNvSpPr txBox="1"/>
-            <p:nvPr/>
-          </p:nvSpPr>
-          <p:spPr>
-            <a:xfrm>
-              <a:off x="6527800" y="1608322"/>
-              <a:ext cx="660399" cy="307777"/>
-            </a:xfrm>
-            <a:prstGeom prst="rect">
-              <a:avLst/>
-            </a:prstGeom>
-            <a:noFill/>
-          </p:spPr>
-          <p:txBody>
-            <a:bodyPr wrap="square" rtlCol="0">
-              <a:spAutoFit/>
-            </a:bodyPr>
-            <a:lstStyle/>
-            <a:p>
-              <a:r>
-                <a:rPr lang="en-US" altLang="zh-CN" sz="1400" dirty="0">
-                  <a:solidFill>
-                    <a:schemeClr val="accent2">
-                      <a:lumMod val="75000"/>
-                    </a:schemeClr>
-                  </a:solidFill>
-                </a:rPr>
-                <a:t>merge</a:t>
-              </a:r>
-              <a:endParaRPr lang="zh-SG" altLang="en-US" sz="1400" dirty="0">
-                <a:solidFill>
-                  <a:schemeClr val="accent2">
-                    <a:lumMod val="75000"/>
-                  </a:schemeClr>
-                </a:solidFill>
-              </a:endParaRPr>
-            </a:p>
-          </p:txBody>
-        </p:sp>
-      </p:grpSp>
-      <p:grpSp>
-        <p:nvGrpSpPr>
-          <p:cNvPr id="35" name="组合 34">
-            <a:extLst>
-              <a:ext uri="{FF2B5EF4-FFF2-40B4-BE49-F238E27FC236}">
-                <a16:creationId xmlns:a16="http://schemas.microsoft.com/office/drawing/2014/main" id="{7A692CF3-4667-4A9B-B3E3-BE1DF5DEE338}"/>
-              </a:ext>
-            </a:extLst>
-          </p:cNvPr>
-          <p:cNvGrpSpPr/>
-          <p:nvPr/>
-        </p:nvGrpSpPr>
-        <p:grpSpPr>
-          <a:xfrm>
-            <a:off x="3344333" y="3877616"/>
-            <a:ext cx="3750734" cy="307777"/>
-            <a:chOff x="3344333" y="3877616"/>
-            <a:chExt cx="3750734" cy="307777"/>
-          </a:xfrm>
-        </p:grpSpPr>
-        <p:cxnSp>
-          <p:nvCxnSpPr>
-            <p:cNvPr id="17" name="直接连接符 16">
-              <a:extLst>
-                <a:ext uri="{FF2B5EF4-FFF2-40B4-BE49-F238E27FC236}">
-                  <a16:creationId xmlns:a16="http://schemas.microsoft.com/office/drawing/2014/main" id="{17F218D8-836B-4777-8244-BB81DE5E63B0}"/>
-                </a:ext>
-              </a:extLst>
-            </p:cNvPr>
-            <p:cNvCxnSpPr>
-              <a:cxnSpLocks/>
-            </p:cNvCxnSpPr>
-            <p:nvPr/>
-          </p:nvCxnSpPr>
-          <p:spPr>
-            <a:xfrm>
-              <a:off x="3344333" y="4182533"/>
-              <a:ext cx="3750734" cy="0"/>
-            </a:xfrm>
-            <a:prstGeom prst="line">
-              <a:avLst/>
-            </a:prstGeom>
-            <a:ln w="12700">
-              <a:prstDash val="dashDot"/>
-            </a:ln>
-          </p:spPr>
-          <p:style>
-            <a:lnRef idx="1">
-              <a:schemeClr val="accent2"/>
-            </a:lnRef>
-            <a:fillRef idx="0">
-              <a:schemeClr val="accent2"/>
-            </a:fillRef>
-            <a:effectRef idx="0">
-              <a:schemeClr val="accent2"/>
-            </a:effectRef>
-            <a:fontRef idx="minor">
-              <a:schemeClr val="tx1"/>
-            </a:fontRef>
-          </p:style>
-        </p:cxnSp>
-        <p:sp>
-          <p:nvSpPr>
-            <p:cNvPr id="22" name="文本框 21">
-              <a:extLst>
-                <a:ext uri="{FF2B5EF4-FFF2-40B4-BE49-F238E27FC236}">
-                  <a16:creationId xmlns:a16="http://schemas.microsoft.com/office/drawing/2014/main" id="{F48DB713-50E2-4E7F-B744-A8438BA68C3E}"/>
-                </a:ext>
-              </a:extLst>
-            </p:cNvPr>
-            <p:cNvSpPr txBox="1"/>
-            <p:nvPr/>
-          </p:nvSpPr>
-          <p:spPr>
-            <a:xfrm>
-              <a:off x="6434668" y="3877616"/>
-              <a:ext cx="660399" cy="307777"/>
-            </a:xfrm>
-            <a:prstGeom prst="rect">
-              <a:avLst/>
-            </a:prstGeom>
-            <a:noFill/>
-          </p:spPr>
-          <p:txBody>
-            <a:bodyPr wrap="square" rtlCol="0">
-              <a:spAutoFit/>
-            </a:bodyPr>
-            <a:lstStyle/>
-            <a:p>
-              <a:r>
-                <a:rPr lang="en-US" altLang="zh-CN" sz="1400" dirty="0">
-                  <a:solidFill>
-                    <a:schemeClr val="accent2">
-                      <a:lumMod val="75000"/>
-                    </a:schemeClr>
-                  </a:solidFill>
-                </a:rPr>
-                <a:t>merge</a:t>
+                <a:t>收集取样结果并合并</a:t>
               </a:r>
               <a:endParaRPr lang="zh-SG" altLang="en-US" sz="1400" dirty="0">
                 <a:solidFill>
@@ -4089,6 +3870,498 @@
           </p:txBody>
         </p:sp>
       </p:grpSp>
+      <p:cxnSp>
+        <p:nvCxnSpPr>
+          <p:cNvPr id="3" name="直接连接符 2">
+            <a:extLst>
+              <a:ext uri="{FF2B5EF4-FFF2-40B4-BE49-F238E27FC236}">
+                <a16:creationId xmlns:a16="http://schemas.microsoft.com/office/drawing/2014/main" id="{E6848830-49DB-4260-A4DE-B2BE95F5231E}"/>
+              </a:ext>
+            </a:extLst>
+          </p:cNvPr>
+          <p:cNvCxnSpPr/>
+          <p:nvPr/>
+        </p:nvCxnSpPr>
+        <p:spPr>
+          <a:xfrm>
+            <a:off x="4776186" y="2698812"/>
+            <a:ext cx="0" cy="1483721"/>
+          </a:xfrm>
+          <a:prstGeom prst="line">
+            <a:avLst/>
+          </a:prstGeom>
+          <a:ln w="28575">
+            <a:solidFill>
+              <a:schemeClr val="accent1"/>
+            </a:solidFill>
+            <a:prstDash val="sysDash"/>
+          </a:ln>
+        </p:spPr>
+        <p:style>
+          <a:lnRef idx="1">
+            <a:schemeClr val="accent1"/>
+          </a:lnRef>
+          <a:fillRef idx="0">
+            <a:schemeClr val="accent1"/>
+          </a:fillRef>
+          <a:effectRef idx="0">
+            <a:schemeClr val="accent1"/>
+          </a:effectRef>
+          <a:fontRef idx="minor">
+            <a:schemeClr val="tx1"/>
+          </a:fontRef>
+        </p:style>
+      </p:cxnSp>
+      <p:cxnSp>
+        <p:nvCxnSpPr>
+          <p:cNvPr id="25" name="直接连接符 24">
+            <a:extLst>
+              <a:ext uri="{FF2B5EF4-FFF2-40B4-BE49-F238E27FC236}">
+                <a16:creationId xmlns:a16="http://schemas.microsoft.com/office/drawing/2014/main" id="{C30122DE-CC6A-41FD-B59E-6E2D43E2FB36}"/>
+              </a:ext>
+            </a:extLst>
+          </p:cNvPr>
+          <p:cNvCxnSpPr>
+            <a:cxnSpLocks/>
+          </p:cNvCxnSpPr>
+          <p:nvPr/>
+        </p:nvCxnSpPr>
+        <p:spPr>
+          <a:xfrm>
+            <a:off x="5714999" y="2986596"/>
+            <a:ext cx="0" cy="1195937"/>
+          </a:xfrm>
+          <a:prstGeom prst="line">
+            <a:avLst/>
+          </a:prstGeom>
+          <a:ln w="28575">
+            <a:solidFill>
+              <a:schemeClr val="accent1"/>
+            </a:solidFill>
+            <a:prstDash val="sysDash"/>
+          </a:ln>
+        </p:spPr>
+        <p:style>
+          <a:lnRef idx="1">
+            <a:schemeClr val="accent1"/>
+          </a:lnRef>
+          <a:fillRef idx="0">
+            <a:schemeClr val="accent1"/>
+          </a:fillRef>
+          <a:effectRef idx="0">
+            <a:schemeClr val="accent1"/>
+          </a:effectRef>
+          <a:fontRef idx="minor">
+            <a:schemeClr val="tx1"/>
+          </a:fontRef>
+        </p:style>
+      </p:cxnSp>
+      <p:grpSp>
+        <p:nvGrpSpPr>
+          <p:cNvPr id="31" name="组合 30">
+            <a:extLst>
+              <a:ext uri="{FF2B5EF4-FFF2-40B4-BE49-F238E27FC236}">
+                <a16:creationId xmlns:a16="http://schemas.microsoft.com/office/drawing/2014/main" id="{01EDAB1C-9A99-4878-B5BA-2920C22705D2}"/>
+              </a:ext>
+            </a:extLst>
+          </p:cNvPr>
+          <p:cNvGrpSpPr/>
+          <p:nvPr/>
+        </p:nvGrpSpPr>
+        <p:grpSpPr>
+          <a:xfrm>
+            <a:off x="3344333" y="1741391"/>
+            <a:ext cx="5116086" cy="307777"/>
+            <a:chOff x="3344333" y="1134533"/>
+            <a:chExt cx="5116086" cy="307777"/>
+          </a:xfrm>
+        </p:grpSpPr>
+        <p:cxnSp>
+          <p:nvCxnSpPr>
+            <p:cNvPr id="39" name="直接连接符 38">
+              <a:extLst>
+                <a:ext uri="{FF2B5EF4-FFF2-40B4-BE49-F238E27FC236}">
+                  <a16:creationId xmlns:a16="http://schemas.microsoft.com/office/drawing/2014/main" id="{1FFBF7CA-9EAF-48AD-992D-C6F1BFDC9EBD}"/>
+                </a:ext>
+              </a:extLst>
+            </p:cNvPr>
+            <p:cNvCxnSpPr>
+              <a:cxnSpLocks/>
+            </p:cNvCxnSpPr>
+            <p:nvPr/>
+          </p:nvCxnSpPr>
+          <p:spPr>
+            <a:xfrm>
+              <a:off x="3344333" y="1430867"/>
+              <a:ext cx="3750734" cy="0"/>
+            </a:xfrm>
+            <a:prstGeom prst="line">
+              <a:avLst/>
+            </a:prstGeom>
+            <a:ln w="12700">
+              <a:prstDash val="dashDot"/>
+            </a:ln>
+          </p:spPr>
+          <p:style>
+            <a:lnRef idx="1">
+              <a:schemeClr val="accent2"/>
+            </a:lnRef>
+            <a:fillRef idx="0">
+              <a:schemeClr val="accent2"/>
+            </a:fillRef>
+            <a:effectRef idx="0">
+              <a:schemeClr val="accent2"/>
+            </a:effectRef>
+            <a:fontRef idx="minor">
+              <a:schemeClr val="tx1"/>
+            </a:fontRef>
+          </p:style>
+        </p:cxnSp>
+        <p:sp>
+          <p:nvSpPr>
+            <p:cNvPr id="40" name="文本框 39">
+              <a:extLst>
+                <a:ext uri="{FF2B5EF4-FFF2-40B4-BE49-F238E27FC236}">
+                  <a16:creationId xmlns:a16="http://schemas.microsoft.com/office/drawing/2014/main" id="{C6A9AF38-55C7-4B4C-A65B-620200969452}"/>
+                </a:ext>
+              </a:extLst>
+            </p:cNvPr>
+            <p:cNvSpPr txBox="1"/>
+            <p:nvPr/>
+          </p:nvSpPr>
+          <p:spPr>
+            <a:xfrm>
+              <a:off x="6527800" y="1134533"/>
+              <a:ext cx="1932619" cy="307777"/>
+            </a:xfrm>
+            <a:prstGeom prst="rect">
+              <a:avLst/>
+            </a:prstGeom>
+            <a:noFill/>
+          </p:spPr>
+          <p:txBody>
+            <a:bodyPr wrap="square" rtlCol="0">
+              <a:spAutoFit/>
+            </a:bodyPr>
+            <a:lstStyle/>
+            <a:p>
+              <a:r>
+                <a:rPr lang="zh-CN" altLang="en-US" sz="1400" dirty="0">
+                  <a:solidFill>
+                    <a:schemeClr val="accent2">
+                      <a:lumMod val="75000"/>
+                    </a:schemeClr>
+                  </a:solidFill>
+                </a:rPr>
+                <a:t>收集取样结果并合并</a:t>
+              </a:r>
+              <a:endParaRPr lang="zh-SG" altLang="en-US" sz="1400" dirty="0">
+                <a:solidFill>
+                  <a:schemeClr val="accent2">
+                    <a:lumMod val="75000"/>
+                  </a:schemeClr>
+                </a:solidFill>
+              </a:endParaRPr>
+            </a:p>
+          </p:txBody>
+        </p:sp>
+      </p:grpSp>
+      <p:grpSp>
+        <p:nvGrpSpPr>
+          <p:cNvPr id="41" name="组合 40">
+            <a:extLst>
+              <a:ext uri="{FF2B5EF4-FFF2-40B4-BE49-F238E27FC236}">
+                <a16:creationId xmlns:a16="http://schemas.microsoft.com/office/drawing/2014/main" id="{6F4EF4D7-CBAD-41DA-BA37-ABB90A8EDC0F}"/>
+              </a:ext>
+            </a:extLst>
+          </p:cNvPr>
+          <p:cNvGrpSpPr/>
+          <p:nvPr/>
+        </p:nvGrpSpPr>
+        <p:grpSpPr>
+          <a:xfrm>
+            <a:off x="3344333" y="3870408"/>
+            <a:ext cx="5116086" cy="307777"/>
+            <a:chOff x="3344333" y="1134533"/>
+            <a:chExt cx="5116086" cy="307777"/>
+          </a:xfrm>
+        </p:grpSpPr>
+        <p:cxnSp>
+          <p:nvCxnSpPr>
+            <p:cNvPr id="42" name="直接连接符 41">
+              <a:extLst>
+                <a:ext uri="{FF2B5EF4-FFF2-40B4-BE49-F238E27FC236}">
+                  <a16:creationId xmlns:a16="http://schemas.microsoft.com/office/drawing/2014/main" id="{4B5881D7-CA63-4041-93D8-46BE2757445D}"/>
+                </a:ext>
+              </a:extLst>
+            </p:cNvPr>
+            <p:cNvCxnSpPr>
+              <a:cxnSpLocks/>
+            </p:cNvCxnSpPr>
+            <p:nvPr/>
+          </p:nvCxnSpPr>
+          <p:spPr>
+            <a:xfrm>
+              <a:off x="3344333" y="1430867"/>
+              <a:ext cx="3750734" cy="0"/>
+            </a:xfrm>
+            <a:prstGeom prst="line">
+              <a:avLst/>
+            </a:prstGeom>
+            <a:ln w="12700">
+              <a:prstDash val="dashDot"/>
+            </a:ln>
+          </p:spPr>
+          <p:style>
+            <a:lnRef idx="1">
+              <a:schemeClr val="accent2"/>
+            </a:lnRef>
+            <a:fillRef idx="0">
+              <a:schemeClr val="accent2"/>
+            </a:fillRef>
+            <a:effectRef idx="0">
+              <a:schemeClr val="accent2"/>
+            </a:effectRef>
+            <a:fontRef idx="minor">
+              <a:schemeClr val="tx1"/>
+            </a:fontRef>
+          </p:style>
+        </p:cxnSp>
+        <p:sp>
+          <p:nvSpPr>
+            <p:cNvPr id="43" name="文本框 42">
+              <a:extLst>
+                <a:ext uri="{FF2B5EF4-FFF2-40B4-BE49-F238E27FC236}">
+                  <a16:creationId xmlns:a16="http://schemas.microsoft.com/office/drawing/2014/main" id="{C213EA2F-4EE8-4785-BAE1-F662814D868C}"/>
+                </a:ext>
+              </a:extLst>
+            </p:cNvPr>
+            <p:cNvSpPr txBox="1"/>
+            <p:nvPr/>
+          </p:nvSpPr>
+          <p:spPr>
+            <a:xfrm>
+              <a:off x="6527800" y="1134533"/>
+              <a:ext cx="1932619" cy="307777"/>
+            </a:xfrm>
+            <a:prstGeom prst="rect">
+              <a:avLst/>
+            </a:prstGeom>
+            <a:noFill/>
+          </p:spPr>
+          <p:txBody>
+            <a:bodyPr wrap="square" rtlCol="0">
+              <a:spAutoFit/>
+            </a:bodyPr>
+            <a:lstStyle/>
+            <a:p>
+              <a:r>
+                <a:rPr lang="zh-CN" altLang="en-US" sz="1400" dirty="0">
+                  <a:solidFill>
+                    <a:schemeClr val="accent2">
+                      <a:lumMod val="75000"/>
+                    </a:schemeClr>
+                  </a:solidFill>
+                </a:rPr>
+                <a:t>收集取样结果并合并</a:t>
+              </a:r>
+              <a:endParaRPr lang="zh-SG" altLang="en-US" sz="1400" dirty="0">
+                <a:solidFill>
+                  <a:schemeClr val="accent2">
+                    <a:lumMod val="75000"/>
+                  </a:schemeClr>
+                </a:solidFill>
+              </a:endParaRPr>
+            </a:p>
+          </p:txBody>
+        </p:sp>
+      </p:grpSp>
+      <p:grpSp>
+        <p:nvGrpSpPr>
+          <p:cNvPr id="11" name="组合 10">
+            <a:extLst>
+              <a:ext uri="{FF2B5EF4-FFF2-40B4-BE49-F238E27FC236}">
+                <a16:creationId xmlns:a16="http://schemas.microsoft.com/office/drawing/2014/main" id="{18D9438F-CD38-4AF8-9F99-00CA8556AD13}"/>
+              </a:ext>
+            </a:extLst>
+          </p:cNvPr>
+          <p:cNvGrpSpPr/>
+          <p:nvPr/>
+        </p:nvGrpSpPr>
+        <p:grpSpPr>
+          <a:xfrm>
+            <a:off x="4453467" y="2470777"/>
+            <a:ext cx="1398693" cy="310523"/>
+            <a:chOff x="4453467" y="2470777"/>
+            <a:chExt cx="1398693" cy="310523"/>
+          </a:xfrm>
+        </p:grpSpPr>
+        <p:cxnSp>
+          <p:nvCxnSpPr>
+            <p:cNvPr id="8" name="直接连接符 7">
+              <a:extLst>
+                <a:ext uri="{FF2B5EF4-FFF2-40B4-BE49-F238E27FC236}">
+                  <a16:creationId xmlns:a16="http://schemas.microsoft.com/office/drawing/2014/main" id="{624397EC-11F9-4F14-84EC-15A3840E3D31}"/>
+                </a:ext>
+              </a:extLst>
+            </p:cNvPr>
+            <p:cNvCxnSpPr/>
+            <p:nvPr/>
+          </p:nvCxnSpPr>
+          <p:spPr>
+            <a:xfrm>
+              <a:off x="4453467" y="2781300"/>
+              <a:ext cx="643466" cy="0"/>
+            </a:xfrm>
+            <a:prstGeom prst="line">
+              <a:avLst/>
+            </a:prstGeom>
+          </p:spPr>
+          <p:style>
+            <a:lnRef idx="1">
+              <a:schemeClr val="accent6"/>
+            </a:lnRef>
+            <a:fillRef idx="0">
+              <a:schemeClr val="accent6"/>
+            </a:fillRef>
+            <a:effectRef idx="0">
+              <a:schemeClr val="accent6"/>
+            </a:effectRef>
+            <a:fontRef idx="minor">
+              <a:schemeClr val="tx1"/>
+            </a:fontRef>
+          </p:style>
+        </p:cxnSp>
+        <p:sp>
+          <p:nvSpPr>
+            <p:cNvPr id="10" name="文本框 9">
+              <a:extLst>
+                <a:ext uri="{FF2B5EF4-FFF2-40B4-BE49-F238E27FC236}">
+                  <a16:creationId xmlns:a16="http://schemas.microsoft.com/office/drawing/2014/main" id="{01ED5204-E91C-4520-A799-821E07A24F98}"/>
+                </a:ext>
+              </a:extLst>
+            </p:cNvPr>
+            <p:cNvSpPr txBox="1"/>
+            <p:nvPr/>
+          </p:nvSpPr>
+          <p:spPr>
+            <a:xfrm>
+              <a:off x="4739642" y="2470777"/>
+              <a:ext cx="1112518" cy="307777"/>
+            </a:xfrm>
+            <a:prstGeom prst="rect">
+              <a:avLst/>
+            </a:prstGeom>
+            <a:noFill/>
+          </p:spPr>
+          <p:txBody>
+            <a:bodyPr wrap="square" rtlCol="0">
+              <a:spAutoFit/>
+            </a:bodyPr>
+            <a:lstStyle/>
+            <a:p>
+              <a:r>
+                <a:rPr lang="zh-CN" altLang="en-US" sz="1400" dirty="0"/>
+                <a:t>结束</a:t>
+              </a:r>
+              <a:endParaRPr lang="zh-SG" altLang="en-US" sz="1400" dirty="0"/>
+            </a:p>
+          </p:txBody>
+        </p:sp>
+      </p:grpSp>
+      <p:grpSp>
+        <p:nvGrpSpPr>
+          <p:cNvPr id="44" name="组合 43">
+            <a:extLst>
+              <a:ext uri="{FF2B5EF4-FFF2-40B4-BE49-F238E27FC236}">
+                <a16:creationId xmlns:a16="http://schemas.microsoft.com/office/drawing/2014/main" id="{EA29F170-5CBE-4497-AFB8-C498105F7C45}"/>
+              </a:ext>
+            </a:extLst>
+          </p:cNvPr>
+          <p:cNvGrpSpPr/>
+          <p:nvPr/>
+        </p:nvGrpSpPr>
+        <p:grpSpPr>
+          <a:xfrm>
+            <a:off x="5451687" y="2996037"/>
+            <a:ext cx="1398693" cy="310523"/>
+            <a:chOff x="4453467" y="2470777"/>
+            <a:chExt cx="1398693" cy="310523"/>
+          </a:xfrm>
+        </p:grpSpPr>
+        <p:cxnSp>
+          <p:nvCxnSpPr>
+            <p:cNvPr id="45" name="直接连接符 44">
+              <a:extLst>
+                <a:ext uri="{FF2B5EF4-FFF2-40B4-BE49-F238E27FC236}">
+                  <a16:creationId xmlns:a16="http://schemas.microsoft.com/office/drawing/2014/main" id="{34273A4E-5B3B-4A31-A627-4E8B32565A97}"/>
+                </a:ext>
+              </a:extLst>
+            </p:cNvPr>
+            <p:cNvCxnSpPr/>
+            <p:nvPr/>
+          </p:nvCxnSpPr>
+          <p:spPr>
+            <a:xfrm>
+              <a:off x="4453467" y="2781300"/>
+              <a:ext cx="643466" cy="0"/>
+            </a:xfrm>
+            <a:prstGeom prst="line">
+              <a:avLst/>
+            </a:prstGeom>
+          </p:spPr>
+          <p:style>
+            <a:lnRef idx="1">
+              <a:schemeClr val="accent6"/>
+            </a:lnRef>
+            <a:fillRef idx="0">
+              <a:schemeClr val="accent6"/>
+            </a:fillRef>
+            <a:effectRef idx="0">
+              <a:schemeClr val="accent6"/>
+            </a:effectRef>
+            <a:fontRef idx="minor">
+              <a:schemeClr val="tx1"/>
+            </a:fontRef>
+          </p:style>
+        </p:cxnSp>
+        <p:sp>
+          <p:nvSpPr>
+            <p:cNvPr id="46" name="文本框 45">
+              <a:extLst>
+                <a:ext uri="{FF2B5EF4-FFF2-40B4-BE49-F238E27FC236}">
+                  <a16:creationId xmlns:a16="http://schemas.microsoft.com/office/drawing/2014/main" id="{C1C5FAA4-12E2-4E20-AF7A-B313B0D45E8C}"/>
+                </a:ext>
+              </a:extLst>
+            </p:cNvPr>
+            <p:cNvSpPr txBox="1"/>
+            <p:nvPr/>
+          </p:nvSpPr>
+          <p:spPr>
+            <a:xfrm>
+              <a:off x="4739642" y="2470777"/>
+              <a:ext cx="1112518" cy="307777"/>
+            </a:xfrm>
+            <a:prstGeom prst="rect">
+              <a:avLst/>
+            </a:prstGeom>
+            <a:noFill/>
+          </p:spPr>
+          <p:txBody>
+            <a:bodyPr wrap="square" rtlCol="0">
+              <a:spAutoFit/>
+            </a:bodyPr>
+            <a:lstStyle/>
+            <a:p>
+              <a:r>
+                <a:rPr lang="zh-CN" altLang="en-US" sz="1400" dirty="0"/>
+                <a:t>结束</a:t>
+              </a:r>
+              <a:endParaRPr lang="zh-SG" altLang="en-US" sz="1400" dirty="0"/>
+            </a:p>
+          </p:txBody>
+        </p:sp>
+      </p:grpSp>
     </p:spTree>
     <p:extLst>
       <p:ext uri="{BB962C8B-B14F-4D97-AF65-F5344CB8AC3E}">
@@ -4121,10 +4394,10 @@
       </p:grpSpPr>
       <p:grpSp>
         <p:nvGrpSpPr>
-          <p:cNvPr id="8" name="组合 7">
-            <a:extLst>
-              <a:ext uri="{FF2B5EF4-FFF2-40B4-BE49-F238E27FC236}">
-                <a16:creationId xmlns:a16="http://schemas.microsoft.com/office/drawing/2014/main" id="{57C90530-2A81-4E7B-A3BB-A94B5A9D851C}"/>
+          <p:cNvPr id="15" name="组合 14">
+            <a:extLst>
+              <a:ext uri="{FF2B5EF4-FFF2-40B4-BE49-F238E27FC236}">
+                <a16:creationId xmlns:a16="http://schemas.microsoft.com/office/drawing/2014/main" id="{5848C1B1-D588-4113-B6C8-153B0F35F681}"/>
               </a:ext>
             </a:extLst>
           </p:cNvPr>
@@ -4133,18 +4406,114 @@
         </p:nvGrpSpPr>
         <p:grpSpPr>
           <a:xfrm>
-            <a:off x="3810001" y="703034"/>
-            <a:ext cx="643466" cy="1996933"/>
-            <a:chOff x="3522133" y="703934"/>
-            <a:chExt cx="643466" cy="3478599"/>
+            <a:off x="2789766" y="155146"/>
+            <a:ext cx="804333" cy="5029200"/>
+            <a:chOff x="2607733" y="143933"/>
+            <a:chExt cx="804333" cy="5029200"/>
           </a:xfrm>
         </p:grpSpPr>
         <p:cxnSp>
           <p:nvCxnSpPr>
-            <p:cNvPr id="9" name="直接连接符 8">
+            <p:cNvPr id="16" name="直接箭头连接符 15">
               <a:extLst>
                 <a:ext uri="{FF2B5EF4-FFF2-40B4-BE49-F238E27FC236}">
-                  <a16:creationId xmlns:a16="http://schemas.microsoft.com/office/drawing/2014/main" id="{18FFE760-2C9E-4B87-976C-E3625A1CC04F}"/>
+                  <a16:creationId xmlns:a16="http://schemas.microsoft.com/office/drawing/2014/main" id="{E1EE3175-1E35-40C0-8670-2887AFCD4591}"/>
+                </a:ext>
+              </a:extLst>
+            </p:cNvPr>
+            <p:cNvCxnSpPr/>
+            <p:nvPr/>
+          </p:nvCxnSpPr>
+          <p:spPr>
+            <a:xfrm>
+              <a:off x="2929467" y="474133"/>
+              <a:ext cx="0" cy="4699000"/>
+            </a:xfrm>
+            <a:prstGeom prst="straightConnector1">
+              <a:avLst/>
+            </a:prstGeom>
+            <a:ln>
+              <a:tailEnd type="triangle"/>
+            </a:ln>
+          </p:spPr>
+          <p:style>
+            <a:lnRef idx="1">
+              <a:schemeClr val="dk1"/>
+            </a:lnRef>
+            <a:fillRef idx="0">
+              <a:schemeClr val="dk1"/>
+            </a:fillRef>
+            <a:effectRef idx="0">
+              <a:schemeClr val="dk1"/>
+            </a:effectRef>
+            <a:fontRef idx="minor">
+              <a:schemeClr val="tx1"/>
+            </a:fontRef>
+          </p:style>
+        </p:cxnSp>
+        <p:sp>
+          <p:nvSpPr>
+            <p:cNvPr id="23" name="文本框 22">
+              <a:extLst>
+                <a:ext uri="{FF2B5EF4-FFF2-40B4-BE49-F238E27FC236}">
+                  <a16:creationId xmlns:a16="http://schemas.microsoft.com/office/drawing/2014/main" id="{B2801D48-F6FF-4849-A27F-DB1DA1B46537}"/>
+                </a:ext>
+              </a:extLst>
+            </p:cNvPr>
+            <p:cNvSpPr txBox="1"/>
+            <p:nvPr/>
+          </p:nvSpPr>
+          <p:spPr>
+            <a:xfrm>
+              <a:off x="2607733" y="143933"/>
+              <a:ext cx="804333" cy="369332"/>
+            </a:xfrm>
+            <a:prstGeom prst="rect">
+              <a:avLst/>
+            </a:prstGeom>
+            <a:noFill/>
+          </p:spPr>
+          <p:txBody>
+            <a:bodyPr wrap="square" rtlCol="0">
+              <a:spAutoFit/>
+            </a:bodyPr>
+            <a:lstStyle/>
+            <a:p>
+              <a:r>
+                <a:rPr lang="zh-CN" altLang="en-US" dirty="0"/>
+                <a:t>时间</a:t>
+              </a:r>
+              <a:endParaRPr lang="zh-SG" altLang="en-US" dirty="0"/>
+            </a:p>
+          </p:txBody>
+        </p:sp>
+      </p:grpSp>
+      <p:grpSp>
+        <p:nvGrpSpPr>
+          <p:cNvPr id="24" name="组合 23">
+            <a:extLst>
+              <a:ext uri="{FF2B5EF4-FFF2-40B4-BE49-F238E27FC236}">
+                <a16:creationId xmlns:a16="http://schemas.microsoft.com/office/drawing/2014/main" id="{5E57CA79-3C0E-48D4-90CA-967864315637}"/>
+              </a:ext>
+            </a:extLst>
+          </p:cNvPr>
+          <p:cNvGrpSpPr/>
+          <p:nvPr/>
+        </p:nvGrpSpPr>
+        <p:grpSpPr>
+          <a:xfrm>
+            <a:off x="3522133" y="703934"/>
+            <a:ext cx="643466" cy="3478599"/>
+            <a:chOff x="3522133" y="703934"/>
+            <a:chExt cx="643466" cy="3478599"/>
+          </a:xfrm>
+        </p:grpSpPr>
+        <p:cxnSp>
+          <p:nvCxnSpPr>
+            <p:cNvPr id="25" name="直接连接符 24">
+              <a:extLst>
+                <a:ext uri="{FF2B5EF4-FFF2-40B4-BE49-F238E27FC236}">
+                  <a16:creationId xmlns:a16="http://schemas.microsoft.com/office/drawing/2014/main" id="{EF2A787F-EE02-4082-8D56-162727ABD944}"/>
                 </a:ext>
               </a:extLst>
             </p:cNvPr>
@@ -4180,10 +4549,10 @@
         </p:cxnSp>
         <p:sp>
           <p:nvSpPr>
-            <p:cNvPr id="10" name="文本框 9">
+            <p:cNvPr id="26" name="文本框 25">
               <a:extLst>
                 <a:ext uri="{FF2B5EF4-FFF2-40B4-BE49-F238E27FC236}">
-                  <a16:creationId xmlns:a16="http://schemas.microsoft.com/office/drawing/2014/main" id="{E04A3B64-328B-44E7-944E-58A9A97543A7}"/>
+                  <a16:creationId xmlns:a16="http://schemas.microsoft.com/office/drawing/2014/main" id="{E638D8C9-914D-41B4-8BF5-9AF1C717E3F5}"/>
                 </a:ext>
               </a:extLst>
             </p:cNvPr>
@@ -4225,10 +4594,10 @@
       </p:grpSp>
       <p:grpSp>
         <p:nvGrpSpPr>
-          <p:cNvPr id="17" name="组合 16">
-            <a:extLst>
-              <a:ext uri="{FF2B5EF4-FFF2-40B4-BE49-F238E27FC236}">
-                <a16:creationId xmlns:a16="http://schemas.microsoft.com/office/drawing/2014/main" id="{D387A70C-4641-42F3-B645-DCF7920077B2}"/>
+          <p:cNvPr id="27" name="组合 26">
+            <a:extLst>
+              <a:ext uri="{FF2B5EF4-FFF2-40B4-BE49-F238E27FC236}">
+                <a16:creationId xmlns:a16="http://schemas.microsoft.com/office/drawing/2014/main" id="{BF513C52-83A4-4604-9E54-BBDA21C6A229}"/>
               </a:ext>
             </a:extLst>
           </p:cNvPr>
@@ -4237,18 +4606,122 @@
         </p:nvGrpSpPr>
         <p:grpSpPr>
           <a:xfrm>
-            <a:off x="5147724" y="703034"/>
-            <a:ext cx="643466" cy="1523699"/>
-            <a:chOff x="5384801" y="703034"/>
-            <a:chExt cx="643466" cy="2607433"/>
+            <a:off x="4453467" y="703334"/>
+            <a:ext cx="643466" cy="1997533"/>
+            <a:chOff x="4453467" y="703334"/>
+            <a:chExt cx="643466" cy="1997533"/>
           </a:xfrm>
         </p:grpSpPr>
         <p:cxnSp>
           <p:nvCxnSpPr>
-            <p:cNvPr id="18" name="直接连接符 17">
+            <p:cNvPr id="29" name="直接连接符 28">
               <a:extLst>
                 <a:ext uri="{FF2B5EF4-FFF2-40B4-BE49-F238E27FC236}">
-                  <a16:creationId xmlns:a16="http://schemas.microsoft.com/office/drawing/2014/main" id="{F3FB36EC-D670-4835-BF4D-9A366AEAE991}"/>
+                  <a16:creationId xmlns:a16="http://schemas.microsoft.com/office/drawing/2014/main" id="{68D6F0A8-D295-4828-92B1-166A3C81718B}"/>
+                </a:ext>
+              </a:extLst>
+            </p:cNvPr>
+            <p:cNvCxnSpPr>
+              <a:cxnSpLocks/>
+            </p:cNvCxnSpPr>
+            <p:nvPr/>
+          </p:nvCxnSpPr>
+          <p:spPr>
+            <a:xfrm>
+              <a:off x="4775200" y="1066800"/>
+              <a:ext cx="0" cy="1634067"/>
+            </a:xfrm>
+            <a:prstGeom prst="line">
+              <a:avLst/>
+            </a:prstGeom>
+            <a:ln w="28575"/>
+          </p:spPr>
+          <p:style>
+            <a:lnRef idx="1">
+              <a:schemeClr val="accent1"/>
+            </a:lnRef>
+            <a:fillRef idx="0">
+              <a:schemeClr val="accent1"/>
+            </a:fillRef>
+            <a:effectRef idx="0">
+              <a:schemeClr val="accent1"/>
+            </a:effectRef>
+            <a:fontRef idx="minor">
+              <a:schemeClr val="tx1"/>
+            </a:fontRef>
+          </p:style>
+        </p:cxnSp>
+        <p:sp>
+          <p:nvSpPr>
+            <p:cNvPr id="30" name="文本框 29">
+              <a:extLst>
+                <a:ext uri="{FF2B5EF4-FFF2-40B4-BE49-F238E27FC236}">
+                  <a16:creationId xmlns:a16="http://schemas.microsoft.com/office/drawing/2014/main" id="{7B8323A8-61FD-4CA7-86D3-89CD6A135059}"/>
+                </a:ext>
+              </a:extLst>
+            </p:cNvPr>
+            <p:cNvSpPr txBox="1"/>
+            <p:nvPr/>
+          </p:nvSpPr>
+          <p:spPr>
+            <a:xfrm>
+              <a:off x="4453467" y="703334"/>
+              <a:ext cx="643466" cy="276999"/>
+            </a:xfrm>
+            <a:prstGeom prst="rect">
+              <a:avLst/>
+            </a:prstGeom>
+            <a:noFill/>
+          </p:spPr>
+          <p:txBody>
+            <a:bodyPr wrap="square" rtlCol="0">
+              <a:spAutoFit/>
+            </a:bodyPr>
+            <a:lstStyle/>
+            <a:p>
+              <a:r>
+                <a:rPr lang="zh-CN" altLang="en-US" sz="1200" dirty="0">
+                  <a:solidFill>
+                    <a:schemeClr val="accent1"/>
+                  </a:solidFill>
+                </a:rPr>
+                <a:t>数据流</a:t>
+              </a:r>
+              <a:endParaRPr lang="zh-SG" altLang="en-US" sz="1200" dirty="0">
+                <a:solidFill>
+                  <a:schemeClr val="accent1"/>
+                </a:solidFill>
+              </a:endParaRPr>
+            </a:p>
+          </p:txBody>
+        </p:sp>
+      </p:grpSp>
+      <p:grpSp>
+        <p:nvGrpSpPr>
+          <p:cNvPr id="31" name="组合 30">
+            <a:extLst>
+              <a:ext uri="{FF2B5EF4-FFF2-40B4-BE49-F238E27FC236}">
+                <a16:creationId xmlns:a16="http://schemas.microsoft.com/office/drawing/2014/main" id="{64CAD0D1-AF47-4FBA-AF47-4AB37CC67094}"/>
+              </a:ext>
+            </a:extLst>
+          </p:cNvPr>
+          <p:cNvGrpSpPr/>
+          <p:nvPr/>
+        </p:nvGrpSpPr>
+        <p:grpSpPr>
+          <a:xfrm>
+            <a:off x="5384801" y="703034"/>
+            <a:ext cx="643466" cy="2607433"/>
+            <a:chOff x="5384801" y="703034"/>
+            <a:chExt cx="643466" cy="2607433"/>
+          </a:xfrm>
+        </p:grpSpPr>
+        <p:cxnSp>
+          <p:nvCxnSpPr>
+            <p:cNvPr id="32" name="直接连接符 31">
+              <a:extLst>
+                <a:ext uri="{FF2B5EF4-FFF2-40B4-BE49-F238E27FC236}">
+                  <a16:creationId xmlns:a16="http://schemas.microsoft.com/office/drawing/2014/main" id="{B07FA3DC-87D9-42F0-B3A9-91DD69445140}"/>
                 </a:ext>
               </a:extLst>
             </p:cNvPr>
@@ -4284,10 +4757,10 @@
         </p:cxnSp>
         <p:sp>
           <p:nvSpPr>
-            <p:cNvPr id="19" name="文本框 18">
+            <p:cNvPr id="33" name="文本框 32">
               <a:extLst>
                 <a:ext uri="{FF2B5EF4-FFF2-40B4-BE49-F238E27FC236}">
-                  <a16:creationId xmlns:a16="http://schemas.microsoft.com/office/drawing/2014/main" id="{988C59D1-1AD1-4D6B-8E12-27FD99F88567}"/>
+                  <a16:creationId xmlns:a16="http://schemas.microsoft.com/office/drawing/2014/main" id="{512C6D02-7232-48EC-AD16-93088116822C}"/>
                 </a:ext>
               </a:extLst>
             </p:cNvPr>
@@ -4327,116 +4800,12 @@
           </p:txBody>
         </p:sp>
       </p:grpSp>
-      <p:grpSp>
-        <p:nvGrpSpPr>
-          <p:cNvPr id="20" name="组合 19">
-            <a:extLst>
-              <a:ext uri="{FF2B5EF4-FFF2-40B4-BE49-F238E27FC236}">
-                <a16:creationId xmlns:a16="http://schemas.microsoft.com/office/drawing/2014/main" id="{625CA418-77A2-4F93-AAB4-00D9321197CA}"/>
-              </a:ext>
-            </a:extLst>
-          </p:cNvPr>
-          <p:cNvGrpSpPr/>
-          <p:nvPr/>
-        </p:nvGrpSpPr>
-        <p:grpSpPr>
-          <a:xfrm>
-            <a:off x="4453467" y="703335"/>
-            <a:ext cx="643466" cy="1235532"/>
-            <a:chOff x="4453467" y="703334"/>
-            <a:chExt cx="643466" cy="1997533"/>
-          </a:xfrm>
-        </p:grpSpPr>
-        <p:cxnSp>
-          <p:nvCxnSpPr>
-            <p:cNvPr id="21" name="直接连接符 20">
-              <a:extLst>
-                <a:ext uri="{FF2B5EF4-FFF2-40B4-BE49-F238E27FC236}">
-                  <a16:creationId xmlns:a16="http://schemas.microsoft.com/office/drawing/2014/main" id="{9F9070ED-EAA9-4E4E-8DDF-D403C53674AD}"/>
-                </a:ext>
-              </a:extLst>
-            </p:cNvPr>
-            <p:cNvCxnSpPr>
-              <a:cxnSpLocks/>
-            </p:cNvCxnSpPr>
-            <p:nvPr/>
-          </p:nvCxnSpPr>
-          <p:spPr>
-            <a:xfrm>
-              <a:off x="4775200" y="1066800"/>
-              <a:ext cx="0" cy="1634067"/>
-            </a:xfrm>
-            <a:prstGeom prst="line">
-              <a:avLst/>
-            </a:prstGeom>
-            <a:ln w="28575"/>
-          </p:spPr>
-          <p:style>
-            <a:lnRef idx="1">
-              <a:schemeClr val="accent1"/>
-            </a:lnRef>
-            <a:fillRef idx="0">
-              <a:schemeClr val="accent1"/>
-            </a:fillRef>
-            <a:effectRef idx="0">
-              <a:schemeClr val="accent1"/>
-            </a:effectRef>
-            <a:fontRef idx="minor">
-              <a:schemeClr val="tx1"/>
-            </a:fontRef>
-          </p:style>
-        </p:cxnSp>
-        <p:sp>
-          <p:nvSpPr>
-            <p:cNvPr id="22" name="文本框 21">
-              <a:extLst>
-                <a:ext uri="{FF2B5EF4-FFF2-40B4-BE49-F238E27FC236}">
-                  <a16:creationId xmlns:a16="http://schemas.microsoft.com/office/drawing/2014/main" id="{F77F18C3-5042-4E9F-A442-623AAEEB0E72}"/>
-                </a:ext>
-              </a:extLst>
-            </p:cNvPr>
-            <p:cNvSpPr txBox="1"/>
-            <p:nvPr/>
-          </p:nvSpPr>
-          <p:spPr>
-            <a:xfrm>
-              <a:off x="4453467" y="703334"/>
-              <a:ext cx="643466" cy="276999"/>
-            </a:xfrm>
-            <a:prstGeom prst="rect">
-              <a:avLst/>
-            </a:prstGeom>
-            <a:noFill/>
-          </p:spPr>
-          <p:txBody>
-            <a:bodyPr wrap="square" rtlCol="0">
-              <a:spAutoFit/>
-            </a:bodyPr>
-            <a:lstStyle/>
-            <a:p>
-              <a:r>
-                <a:rPr lang="zh-CN" altLang="en-US" sz="1200" dirty="0">
-                  <a:solidFill>
-                    <a:schemeClr val="accent1"/>
-                  </a:solidFill>
-                </a:rPr>
-                <a:t>数据流</a:t>
-              </a:r>
-              <a:endParaRPr lang="zh-SG" altLang="en-US" sz="1200" dirty="0">
-                <a:solidFill>
-                  <a:schemeClr val="accent1"/>
-                </a:solidFill>
-              </a:endParaRPr>
-            </a:p>
-          </p:txBody>
-        </p:sp>
-      </p:grpSp>
-      <p:sp>
-        <p:nvSpPr>
-          <p:cNvPr id="28" name="文本框 27">
-            <a:extLst>
-              <a:ext uri="{FF2B5EF4-FFF2-40B4-BE49-F238E27FC236}">
-                <a16:creationId xmlns:a16="http://schemas.microsoft.com/office/drawing/2014/main" id="{93D5DD90-3F12-410D-86EA-429B085C13CA}"/>
+      <p:sp>
+        <p:nvSpPr>
+          <p:cNvPr id="34" name="文本框 33">
+            <a:extLst>
+              <a:ext uri="{FF2B5EF4-FFF2-40B4-BE49-F238E27FC236}">
+                <a16:creationId xmlns:a16="http://schemas.microsoft.com/office/drawing/2014/main" id="{00CD628E-9B4D-49C4-BB34-095B48AFCAA5}"/>
               </a:ext>
             </a:extLst>
           </p:cNvPr>
@@ -4445,23 +4814,13 @@
         </p:nvSpPr>
         <p:spPr>
           <a:xfrm>
-            <a:off x="4453468" y="3059668"/>
-            <a:ext cx="812798" cy="369332"/>
+            <a:off x="5915099" y="3048857"/>
+            <a:ext cx="2619300" cy="523220"/>
           </a:xfrm>
           <a:prstGeom prst="rect">
             <a:avLst/>
           </a:prstGeom>
-          <a:solidFill>
-            <a:schemeClr val="accent2">
-              <a:lumMod val="20000"/>
-              <a:lumOff val="80000"/>
-            </a:schemeClr>
-          </a:solidFill>
-          <a:ln w="28575">
-            <a:solidFill>
-              <a:schemeClr val="bg1"/>
-            </a:solidFill>
-          </a:ln>
+          <a:noFill/>
         </p:spPr>
         <p:txBody>
           <a:bodyPr wrap="square" rtlCol="0">
@@ -4470,16 +4829,16 @@
           <a:lstStyle/>
           <a:p>
             <a:r>
-              <a:rPr lang="en-US" altLang="zh-CN" dirty="0">
+              <a:rPr lang="zh-CN" altLang="en-US" sz="1400" dirty="0">
                 <a:solidFill>
                   <a:schemeClr val="accent2">
                     <a:lumMod val="75000"/>
                   </a:schemeClr>
                 </a:solidFill>
               </a:rPr>
-              <a:t>merge</a:t>
-            </a:r>
-            <a:endParaRPr lang="zh-SG" altLang="en-US" dirty="0">
+              <a:t>各数据流（取样线程）结束时立刻交付取样结果并开始合并</a:t>
+            </a:r>
+            <a:endParaRPr lang="zh-SG" altLang="en-US" sz="1400" dirty="0">
               <a:solidFill>
                 <a:schemeClr val="accent2">
                   <a:lumMod val="75000"/>
@@ -4489,132 +4848,165 @@
           </a:p>
         </p:txBody>
       </p:sp>
-      <p:cxnSp>
-        <p:nvCxnSpPr>
-          <p:cNvPr id="49" name="直接箭头连接符 48">
-            <a:extLst>
-              <a:ext uri="{FF2B5EF4-FFF2-40B4-BE49-F238E27FC236}">
-                <a16:creationId xmlns:a16="http://schemas.microsoft.com/office/drawing/2014/main" id="{F8BB282C-4A40-4511-B940-4B9F8D30070B}"/>
-              </a:ext>
-            </a:extLst>
-          </p:cNvPr>
-          <p:cNvCxnSpPr>
-            <a:cxnSpLocks/>
-            <a:endCxn id="28" idx="1"/>
-          </p:cNvCxnSpPr>
+      <p:sp>
+        <p:nvSpPr>
+          <p:cNvPr id="14" name="任意多边形: 形状 13">
+            <a:extLst>
+              <a:ext uri="{FF2B5EF4-FFF2-40B4-BE49-F238E27FC236}">
+                <a16:creationId xmlns:a16="http://schemas.microsoft.com/office/drawing/2014/main" id="{EBDD7D80-43AB-4184-9868-5D339EE6577D}"/>
+              </a:ext>
+            </a:extLst>
+          </p:cNvPr>
+          <p:cNvSpPr/>
           <p:nvPr/>
-        </p:nvCxnSpPr>
+        </p:nvSpPr>
         <p:spPr>
           <a:xfrm>
-            <a:off x="4131734" y="2699967"/>
-            <a:ext cx="321734" cy="544367"/>
-          </a:xfrm>
-          <a:prstGeom prst="straightConnector1">
+            <a:off x="3559946" y="2698162"/>
+            <a:ext cx="3719743" cy="1501478"/>
+          </a:xfrm>
+          <a:custGeom>
             <a:avLst/>
-          </a:prstGeom>
-          <a:ln>
-            <a:tailEnd type="triangle"/>
+            <a:gdLst>
+              <a:gd name="connsiteX0" fmla="*/ 0 w 3719743"/>
+              <a:gd name="connsiteY0" fmla="*/ 1456588 h 1501478"/>
+              <a:gd name="connsiteX1" fmla="*/ 399495 w 3719743"/>
+              <a:gd name="connsiteY1" fmla="*/ 1483221 h 1501478"/>
+              <a:gd name="connsiteX2" fmla="*/ 550415 w 3719743"/>
+              <a:gd name="connsiteY2" fmla="*/ 1216890 h 1501478"/>
+              <a:gd name="connsiteX3" fmla="*/ 896644 w 3719743"/>
+              <a:gd name="connsiteY3" fmla="*/ 195958 h 1501478"/>
+              <a:gd name="connsiteX4" fmla="*/ 1216240 w 3719743"/>
+              <a:gd name="connsiteY4" fmla="*/ 18405 h 1501478"/>
+              <a:gd name="connsiteX5" fmla="*/ 1606858 w 3719743"/>
+              <a:gd name="connsiteY5" fmla="*/ 62793 h 1501478"/>
+              <a:gd name="connsiteX6" fmla="*/ 1970842 w 3719743"/>
+              <a:gd name="connsiteY6" fmla="*/ 524432 h 1501478"/>
+              <a:gd name="connsiteX7" fmla="*/ 2077374 w 3719743"/>
+              <a:gd name="connsiteY7" fmla="*/ 613209 h 1501478"/>
+              <a:gd name="connsiteX8" fmla="*/ 2272683 w 3719743"/>
+              <a:gd name="connsiteY8" fmla="*/ 622087 h 1501478"/>
+              <a:gd name="connsiteX9" fmla="*/ 3719743 w 3719743"/>
+              <a:gd name="connsiteY9" fmla="*/ 622087 h 1501478"/>
+            </a:gdLst>
+            <a:ahLst/>
+            <a:cxnLst>
+              <a:cxn ang="0">
+                <a:pos x="connsiteX0" y="connsiteY0"/>
+              </a:cxn>
+              <a:cxn ang="0">
+                <a:pos x="connsiteX1" y="connsiteY1"/>
+              </a:cxn>
+              <a:cxn ang="0">
+                <a:pos x="connsiteX2" y="connsiteY2"/>
+              </a:cxn>
+              <a:cxn ang="0">
+                <a:pos x="connsiteX3" y="connsiteY3"/>
+              </a:cxn>
+              <a:cxn ang="0">
+                <a:pos x="connsiteX4" y="connsiteY4"/>
+              </a:cxn>
+              <a:cxn ang="0">
+                <a:pos x="connsiteX5" y="connsiteY5"/>
+              </a:cxn>
+              <a:cxn ang="0">
+                <a:pos x="connsiteX6" y="connsiteY6"/>
+              </a:cxn>
+              <a:cxn ang="0">
+                <a:pos x="connsiteX7" y="connsiteY7"/>
+              </a:cxn>
+              <a:cxn ang="0">
+                <a:pos x="connsiteX8" y="connsiteY8"/>
+              </a:cxn>
+              <a:cxn ang="0">
+                <a:pos x="connsiteX9" y="connsiteY9"/>
+              </a:cxn>
+            </a:cxnLst>
+            <a:rect l="l" t="t" r="r" b="b"/>
+            <a:pathLst>
+              <a:path w="3719743" h="1501478">
+                <a:moveTo>
+                  <a:pt x="0" y="1456588"/>
+                </a:moveTo>
+                <a:cubicBezTo>
+                  <a:pt x="153879" y="1489879"/>
+                  <a:pt x="307759" y="1523171"/>
+                  <a:pt x="399495" y="1483221"/>
+                </a:cubicBezTo>
+                <a:cubicBezTo>
+                  <a:pt x="491231" y="1443271"/>
+                  <a:pt x="467557" y="1431434"/>
+                  <a:pt x="550415" y="1216890"/>
+                </a:cubicBezTo>
+                <a:cubicBezTo>
+                  <a:pt x="633273" y="1002346"/>
+                  <a:pt x="785673" y="395705"/>
+                  <a:pt x="896644" y="195958"/>
+                </a:cubicBezTo>
+                <a:cubicBezTo>
+                  <a:pt x="1007615" y="-3789"/>
+                  <a:pt x="1097871" y="40599"/>
+                  <a:pt x="1216240" y="18405"/>
+                </a:cubicBezTo>
+                <a:cubicBezTo>
+                  <a:pt x="1334609" y="-3789"/>
+                  <a:pt x="1481091" y="-21545"/>
+                  <a:pt x="1606858" y="62793"/>
+                </a:cubicBezTo>
+                <a:cubicBezTo>
+                  <a:pt x="1732625" y="147131"/>
+                  <a:pt x="1892423" y="432696"/>
+                  <a:pt x="1970842" y="524432"/>
+                </a:cubicBezTo>
+                <a:cubicBezTo>
+                  <a:pt x="2049261" y="616168"/>
+                  <a:pt x="2027067" y="596933"/>
+                  <a:pt x="2077374" y="613209"/>
+                </a:cubicBezTo>
+                <a:cubicBezTo>
+                  <a:pt x="2127681" y="629485"/>
+                  <a:pt x="2272683" y="622087"/>
+                  <a:pt x="2272683" y="622087"/>
+                </a:cubicBezTo>
+                <a:lnTo>
+                  <a:pt x="3719743" y="622087"/>
+                </a:lnTo>
+              </a:path>
+            </a:pathLst>
+          </a:custGeom>
+          <a:noFill/>
+          <a:ln w="19050">
+            <a:solidFill>
+              <a:schemeClr val="accent2"/>
+            </a:solidFill>
+            <a:prstDash val="sysDash"/>
           </a:ln>
         </p:spPr>
         <p:style>
-          <a:lnRef idx="1">
-            <a:schemeClr val="accent4"/>
+          <a:lnRef idx="2">
+            <a:schemeClr val="accent1">
+              <a:shade val="50000"/>
+            </a:schemeClr>
           </a:lnRef>
-          <a:fillRef idx="0">
-            <a:schemeClr val="accent4"/>
+          <a:fillRef idx="1">
+            <a:schemeClr val="accent1"/>
           </a:fillRef>
           <a:effectRef idx="0">
-            <a:schemeClr val="accent4"/>
+            <a:schemeClr val="accent1"/>
           </a:effectRef>
           <a:fontRef idx="minor">
-            <a:schemeClr val="tx1"/>
+            <a:schemeClr val="lt1"/>
           </a:fontRef>
         </p:style>
-      </p:cxnSp>
-      <p:cxnSp>
-        <p:nvCxnSpPr>
-          <p:cNvPr id="51" name="直接箭头连接符 50">
-            <a:extLst>
-              <a:ext uri="{FF2B5EF4-FFF2-40B4-BE49-F238E27FC236}">
-                <a16:creationId xmlns:a16="http://schemas.microsoft.com/office/drawing/2014/main" id="{591338AC-D84D-4668-B79E-0E613F4942DB}"/>
-              </a:ext>
-            </a:extLst>
-          </p:cNvPr>
-          <p:cNvCxnSpPr>
-            <a:cxnSpLocks/>
-            <a:endCxn id="28" idx="0"/>
-          </p:cNvCxnSpPr>
-          <p:nvPr/>
-        </p:nvCxnSpPr>
-        <p:spPr>
-          <a:xfrm>
-            <a:off x="4775200" y="1938867"/>
-            <a:ext cx="84667" cy="1120801"/>
-          </a:xfrm>
-          <a:prstGeom prst="straightConnector1">
-            <a:avLst/>
-          </a:prstGeom>
-          <a:ln>
-            <a:tailEnd type="triangle"/>
-          </a:ln>
-        </p:spPr>
-        <p:style>
-          <a:lnRef idx="1">
-            <a:schemeClr val="accent4"/>
-          </a:lnRef>
-          <a:fillRef idx="0">
-            <a:schemeClr val="accent4"/>
-          </a:fillRef>
-          <a:effectRef idx="0">
-            <a:schemeClr val="accent4"/>
-          </a:effectRef>
-          <a:fontRef idx="minor">
-            <a:schemeClr val="tx1"/>
-          </a:fontRef>
-        </p:style>
-      </p:cxnSp>
-      <p:cxnSp>
-        <p:nvCxnSpPr>
-          <p:cNvPr id="53" name="直接箭头连接符 52">
-            <a:extLst>
-              <a:ext uri="{FF2B5EF4-FFF2-40B4-BE49-F238E27FC236}">
-                <a16:creationId xmlns:a16="http://schemas.microsoft.com/office/drawing/2014/main" id="{FCC328CD-52E9-434A-84AD-7DDC747B5E67}"/>
-              </a:ext>
-            </a:extLst>
-          </p:cNvPr>
-          <p:cNvCxnSpPr>
-            <a:cxnSpLocks/>
-            <a:endCxn id="28" idx="3"/>
-          </p:cNvCxnSpPr>
-          <p:nvPr/>
-        </p:nvCxnSpPr>
-        <p:spPr>
-          <a:xfrm flipH="1">
-            <a:off x="5266266" y="2226733"/>
-            <a:ext cx="211658" cy="1017601"/>
-          </a:xfrm>
-          <a:prstGeom prst="straightConnector1">
-            <a:avLst/>
-          </a:prstGeom>
-          <a:ln>
-            <a:tailEnd type="triangle"/>
-          </a:ln>
-        </p:spPr>
-        <p:style>
-          <a:lnRef idx="1">
-            <a:schemeClr val="accent4"/>
-          </a:lnRef>
-          <a:fillRef idx="0">
-            <a:schemeClr val="accent4"/>
-          </a:fillRef>
-          <a:effectRef idx="0">
-            <a:schemeClr val="accent4"/>
-          </a:effectRef>
-          <a:fontRef idx="minor">
-            <a:schemeClr val="tx1"/>
-          </a:fontRef>
-        </p:style>
-      </p:cxnSp>
+        <p:txBody>
+          <a:bodyPr rtlCol="0" anchor="ctr"/>
+          <a:lstStyle/>
+          <a:p>
+            <a:pPr algn="ctr"/>
+            <a:endParaRPr lang="zh-SG" altLang="en-US" dirty="0"/>
+          </a:p>
+        </p:txBody>
+      </p:sp>
     </p:spTree>
     <p:extLst>
       <p:ext uri="{BB962C8B-B14F-4D97-AF65-F5344CB8AC3E}">
@@ -5169,7 +5561,7 @@
           <a:p>
             <a:r>
               <a:rPr lang="zh-CN" altLang="en-US" dirty="0"/>
-              <a:t>并发地合并抽样结果</a:t>
+              <a:t>并发地合并取样结果</a:t>
             </a:r>
             <a:endParaRPr lang="zh-SG" altLang="en-US" dirty="0"/>
           </a:p>
@@ -5244,7 +5636,7 @@
           <a:p>
             <a:r>
               <a:rPr lang="zh-CN" altLang="en-US" dirty="0"/>
-              <a:t>当队列中只有一个抽样结果时，</a:t>
+              <a:t>当队列中只有一个取样结果时，</a:t>
             </a:r>
             <a:endParaRPr lang="en-US" altLang="zh-CN" dirty="0"/>
           </a:p>
@@ -5348,7 +5740,7 @@
             <a:p>
               <a:r>
                 <a:rPr lang="zh-CN" altLang="en-US" sz="1400" dirty="0"/>
-                <a:t>出队两个抽样结果</a:t>
+                <a:t>出队两个取样结果</a:t>
               </a:r>
               <a:endParaRPr lang="zh-SG" altLang="en-US" sz="1400" dirty="0"/>
             </a:p>
@@ -5483,7 +5875,7 @@
           <a:p>
             <a:r>
               <a:rPr lang="zh-CN" altLang="en-US" sz="1400" dirty="0"/>
-              <a:t>入队抽样结果</a:t>
+              <a:t>入队取样结果</a:t>
             </a:r>
             <a:endParaRPr lang="zh-SG" altLang="en-US" sz="1400" dirty="0"/>
           </a:p>
@@ -5609,24 +6001,14 @@
           <a:lstStyle/>
           <a:p>
             <a:r>
-              <a:rPr lang="en-US" altLang="zh-CN" sz="1600" dirty="0">
+              <a:rPr lang="zh-CN" altLang="en-US" sz="1600" dirty="0">
                 <a:solidFill>
                   <a:schemeClr val="accent2">
                     <a:lumMod val="75000"/>
                   </a:schemeClr>
                 </a:solidFill>
               </a:rPr>
-              <a:t>g</a:t>
-            </a:r>
-            <a:r>
-              <a:rPr lang="en-US" altLang="zh-SG" sz="1600" dirty="0">
-                <a:solidFill>
-                  <a:schemeClr val="accent2">
-                    <a:lumMod val="75000"/>
-                  </a:schemeClr>
-                </a:solidFill>
-              </a:rPr>
-              <a:t>et_sample_result( )</a:t>
+              <a:t>收集取样结果</a:t>
             </a:r>
             <a:endParaRPr lang="zh-SG" altLang="en-US" sz="1600" dirty="0">
               <a:solidFill>
@@ -7878,6 +8260,1060 @@
 </p:sld>
 </file>
 
+<file path=ppt/slides/slide6.xml><?xml version="1.0" encoding="utf-8"?>
+<p:sld xmlns:a="http://schemas.openxmlformats.org/drawingml/2006/main" xmlns:r="http://schemas.openxmlformats.org/officeDocument/2006/relationships" xmlns:p="http://schemas.openxmlformats.org/presentationml/2006/main">
+  <p:cSld>
+    <p:spTree>
+      <p:nvGrpSpPr>
+        <p:cNvPr id="1" name=""/>
+        <p:cNvGrpSpPr/>
+        <p:nvPr/>
+      </p:nvGrpSpPr>
+      <p:grpSpPr>
+        <a:xfrm>
+          <a:off x="0" y="0"/>
+          <a:ext cx="0" cy="0"/>
+          <a:chOff x="0" y="0"/>
+          <a:chExt cx="0" cy="0"/>
+        </a:xfrm>
+      </p:grpSpPr>
+      <p:grpSp>
+        <p:nvGrpSpPr>
+          <p:cNvPr id="30" name="组合 29">
+            <a:extLst>
+              <a:ext uri="{FF2B5EF4-FFF2-40B4-BE49-F238E27FC236}">
+                <a16:creationId xmlns:a16="http://schemas.microsoft.com/office/drawing/2014/main" id="{9282175F-2356-45A0-8310-5043F612B26B}"/>
+              </a:ext>
+            </a:extLst>
+          </p:cNvPr>
+          <p:cNvGrpSpPr/>
+          <p:nvPr/>
+        </p:nvGrpSpPr>
+        <p:grpSpPr>
+          <a:xfrm>
+            <a:off x="2327630" y="1255703"/>
+            <a:ext cx="1301050" cy="2097097"/>
+            <a:chOff x="649103" y="1293888"/>
+            <a:chExt cx="1958994" cy="2757386"/>
+          </a:xfrm>
+        </p:grpSpPr>
+        <p:cxnSp>
+          <p:nvCxnSpPr>
+            <p:cNvPr id="5" name="直接连接符 4">
+              <a:extLst>
+                <a:ext uri="{FF2B5EF4-FFF2-40B4-BE49-F238E27FC236}">
+                  <a16:creationId xmlns:a16="http://schemas.microsoft.com/office/drawing/2014/main" id="{8239D140-0FDC-44CF-9571-AD7BAEBC51E6}"/>
+                </a:ext>
+              </a:extLst>
+            </p:cNvPr>
+            <p:cNvCxnSpPr>
+              <a:cxnSpLocks/>
+            </p:cNvCxnSpPr>
+            <p:nvPr/>
+          </p:nvCxnSpPr>
+          <p:spPr>
+            <a:xfrm>
+              <a:off x="649103" y="1293888"/>
+              <a:ext cx="0" cy="2406305"/>
+            </a:xfrm>
+            <a:prstGeom prst="line">
+              <a:avLst/>
+            </a:prstGeom>
+            <a:ln w="76200"/>
+          </p:spPr>
+          <p:style>
+            <a:lnRef idx="1">
+              <a:schemeClr val="accent1"/>
+            </a:lnRef>
+            <a:fillRef idx="0">
+              <a:schemeClr val="accent1"/>
+            </a:fillRef>
+            <a:effectRef idx="0">
+              <a:schemeClr val="accent1"/>
+            </a:effectRef>
+            <a:fontRef idx="minor">
+              <a:schemeClr val="tx1"/>
+            </a:fontRef>
+          </p:style>
+        </p:cxnSp>
+        <p:cxnSp>
+          <p:nvCxnSpPr>
+            <p:cNvPr id="7" name="直接连接符 6">
+              <a:extLst>
+                <a:ext uri="{FF2B5EF4-FFF2-40B4-BE49-F238E27FC236}">
+                  <a16:creationId xmlns:a16="http://schemas.microsoft.com/office/drawing/2014/main" id="{38DDDC1B-08E1-4928-8F8A-CFF8E47CE74A}"/>
+                </a:ext>
+              </a:extLst>
+            </p:cNvPr>
+            <p:cNvCxnSpPr>
+              <a:cxnSpLocks/>
+            </p:cNvCxnSpPr>
+            <p:nvPr/>
+          </p:nvCxnSpPr>
+          <p:spPr>
+            <a:xfrm>
+              <a:off x="1643405" y="1293888"/>
+              <a:ext cx="0" cy="2757386"/>
+            </a:xfrm>
+            <a:prstGeom prst="line">
+              <a:avLst/>
+            </a:prstGeom>
+            <a:ln w="76200"/>
+          </p:spPr>
+          <p:style>
+            <a:lnRef idx="1">
+              <a:schemeClr val="accent1"/>
+            </a:lnRef>
+            <a:fillRef idx="0">
+              <a:schemeClr val="accent1"/>
+            </a:fillRef>
+            <a:effectRef idx="0">
+              <a:schemeClr val="accent1"/>
+            </a:effectRef>
+            <a:fontRef idx="minor">
+              <a:schemeClr val="tx1"/>
+            </a:fontRef>
+          </p:style>
+        </p:cxnSp>
+        <p:cxnSp>
+          <p:nvCxnSpPr>
+            <p:cNvPr id="8" name="直接连接符 7">
+              <a:extLst>
+                <a:ext uri="{FF2B5EF4-FFF2-40B4-BE49-F238E27FC236}">
+                  <a16:creationId xmlns:a16="http://schemas.microsoft.com/office/drawing/2014/main" id="{AAA207F2-EF6F-4228-AD32-BF4DF26BAE2E}"/>
+                </a:ext>
+              </a:extLst>
+            </p:cNvPr>
+            <p:cNvCxnSpPr>
+              <a:cxnSpLocks/>
+            </p:cNvCxnSpPr>
+            <p:nvPr/>
+          </p:nvCxnSpPr>
+          <p:spPr>
+            <a:xfrm>
+              <a:off x="2107354" y="1293888"/>
+              <a:ext cx="0" cy="1989753"/>
+            </a:xfrm>
+            <a:prstGeom prst="line">
+              <a:avLst/>
+            </a:prstGeom>
+            <a:ln w="76200"/>
+          </p:spPr>
+          <p:style>
+            <a:lnRef idx="1">
+              <a:schemeClr val="accent1"/>
+            </a:lnRef>
+            <a:fillRef idx="0">
+              <a:schemeClr val="accent1"/>
+            </a:fillRef>
+            <a:effectRef idx="0">
+              <a:schemeClr val="accent1"/>
+            </a:effectRef>
+            <a:fontRef idx="minor">
+              <a:schemeClr val="tx1"/>
+            </a:fontRef>
+          </p:style>
+        </p:cxnSp>
+        <p:cxnSp>
+          <p:nvCxnSpPr>
+            <p:cNvPr id="9" name="直接连接符 8">
+              <a:extLst>
+                <a:ext uri="{FF2B5EF4-FFF2-40B4-BE49-F238E27FC236}">
+                  <a16:creationId xmlns:a16="http://schemas.microsoft.com/office/drawing/2014/main" id="{111415AA-519A-4DA9-8019-795D005E576F}"/>
+                </a:ext>
+              </a:extLst>
+            </p:cNvPr>
+            <p:cNvCxnSpPr/>
+            <p:nvPr/>
+          </p:nvCxnSpPr>
+          <p:spPr>
+            <a:xfrm>
+              <a:off x="2608097" y="1293888"/>
+              <a:ext cx="0" cy="1728216"/>
+            </a:xfrm>
+            <a:prstGeom prst="line">
+              <a:avLst/>
+            </a:prstGeom>
+            <a:ln w="76200"/>
+          </p:spPr>
+          <p:style>
+            <a:lnRef idx="1">
+              <a:schemeClr val="accent1"/>
+            </a:lnRef>
+            <a:fillRef idx="0">
+              <a:schemeClr val="accent1"/>
+            </a:fillRef>
+            <a:effectRef idx="0">
+              <a:schemeClr val="accent1"/>
+            </a:effectRef>
+            <a:fontRef idx="minor">
+              <a:schemeClr val="tx1"/>
+            </a:fontRef>
+          </p:style>
+        </p:cxnSp>
+        <p:sp>
+          <p:nvSpPr>
+            <p:cNvPr id="10" name="文本框 9">
+              <a:extLst>
+                <a:ext uri="{FF2B5EF4-FFF2-40B4-BE49-F238E27FC236}">
+                  <a16:creationId xmlns:a16="http://schemas.microsoft.com/office/drawing/2014/main" id="{640C7C6A-B8CB-442F-88C2-7E6A0DE2F204}"/>
+                </a:ext>
+              </a:extLst>
+            </p:cNvPr>
+            <p:cNvSpPr txBox="1"/>
+            <p:nvPr/>
+          </p:nvSpPr>
+          <p:spPr>
+            <a:xfrm>
+              <a:off x="805716" y="2047415"/>
+              <a:ext cx="1271015" cy="369332"/>
+            </a:xfrm>
+            <a:prstGeom prst="rect">
+              <a:avLst/>
+            </a:prstGeom>
+            <a:noFill/>
+          </p:spPr>
+          <p:txBody>
+            <a:bodyPr wrap="square" rtlCol="0">
+              <a:spAutoFit/>
+            </a:bodyPr>
+            <a:lstStyle/>
+            <a:p>
+              <a:r>
+                <a:rPr lang="en-US" altLang="zh-CN" dirty="0"/>
+                <a:t>……</a:t>
+              </a:r>
+              <a:endParaRPr lang="zh-SG" altLang="en-US" dirty="0"/>
+            </a:p>
+          </p:txBody>
+        </p:sp>
+      </p:grpSp>
+      <p:sp>
+        <p:nvSpPr>
+          <p:cNvPr id="11" name="文本框 10">
+            <a:extLst>
+              <a:ext uri="{FF2B5EF4-FFF2-40B4-BE49-F238E27FC236}">
+                <a16:creationId xmlns:a16="http://schemas.microsoft.com/office/drawing/2014/main" id="{6D9E5BC4-BC13-4F51-AF43-3E6FA8EC5354}"/>
+              </a:ext>
+            </a:extLst>
+          </p:cNvPr>
+          <p:cNvSpPr txBox="1"/>
+          <p:nvPr/>
+        </p:nvSpPr>
+        <p:spPr>
+          <a:xfrm>
+            <a:off x="1728126" y="390109"/>
+            <a:ext cx="3444022" cy="646331"/>
+          </a:xfrm>
+          <a:prstGeom prst="rect">
+            <a:avLst/>
+          </a:prstGeom>
+          <a:noFill/>
+        </p:spPr>
+        <p:txBody>
+          <a:bodyPr wrap="square" rtlCol="0">
+            <a:spAutoFit/>
+          </a:bodyPr>
+          <a:lstStyle/>
+          <a:p>
+            <a:r>
+              <a:rPr lang="zh-CN" altLang="en-US" b="1" dirty="0">
+                <a:solidFill>
+                  <a:schemeClr val="accent1">
+                    <a:lumMod val="75000"/>
+                  </a:schemeClr>
+                </a:solidFill>
+              </a:rPr>
+              <a:t>采样线程</a:t>
+            </a:r>
+            <a:endParaRPr lang="en-US" altLang="zh-CN" b="1" dirty="0">
+              <a:solidFill>
+                <a:schemeClr val="accent1">
+                  <a:lumMod val="75000"/>
+                </a:schemeClr>
+              </a:solidFill>
+            </a:endParaRPr>
+          </a:p>
+          <a:p>
+            <a:r>
+              <a:rPr lang="zh-CN" altLang="en-US" dirty="0"/>
+              <a:t>并发地朴素蓄水池抽样</a:t>
+            </a:r>
+            <a:endParaRPr lang="en-US" altLang="zh-CN" dirty="0"/>
+          </a:p>
+        </p:txBody>
+      </p:sp>
+      <p:cxnSp>
+        <p:nvCxnSpPr>
+          <p:cNvPr id="31" name="直接箭头连接符 30">
+            <a:extLst>
+              <a:ext uri="{FF2B5EF4-FFF2-40B4-BE49-F238E27FC236}">
+                <a16:creationId xmlns:a16="http://schemas.microsoft.com/office/drawing/2014/main" id="{B466BC1E-6E76-4DF9-A416-B6F2B5FA1FA4}"/>
+              </a:ext>
+            </a:extLst>
+          </p:cNvPr>
+          <p:cNvCxnSpPr>
+            <a:cxnSpLocks/>
+          </p:cNvCxnSpPr>
+          <p:nvPr/>
+        </p:nvCxnSpPr>
+        <p:spPr>
+          <a:xfrm>
+            <a:off x="4680840" y="1767797"/>
+            <a:ext cx="0" cy="1364023"/>
+          </a:xfrm>
+          <a:prstGeom prst="straightConnector1">
+            <a:avLst/>
+          </a:prstGeom>
+          <a:ln>
+            <a:tailEnd type="triangle"/>
+          </a:ln>
+        </p:spPr>
+        <p:style>
+          <a:lnRef idx="1">
+            <a:schemeClr val="accent1"/>
+          </a:lnRef>
+          <a:fillRef idx="0">
+            <a:schemeClr val="accent1"/>
+          </a:fillRef>
+          <a:effectRef idx="0">
+            <a:schemeClr val="accent1"/>
+          </a:effectRef>
+          <a:fontRef idx="minor">
+            <a:schemeClr val="tx1"/>
+          </a:fontRef>
+        </p:style>
+      </p:cxnSp>
+      <p:cxnSp>
+        <p:nvCxnSpPr>
+          <p:cNvPr id="23" name="直接连接符 22">
+            <a:extLst>
+              <a:ext uri="{FF2B5EF4-FFF2-40B4-BE49-F238E27FC236}">
+                <a16:creationId xmlns:a16="http://schemas.microsoft.com/office/drawing/2014/main" id="{81DFB614-D664-4121-AD1C-026AA4E498CC}"/>
+              </a:ext>
+            </a:extLst>
+          </p:cNvPr>
+          <p:cNvCxnSpPr>
+            <a:cxnSpLocks/>
+          </p:cNvCxnSpPr>
+          <p:nvPr/>
+        </p:nvCxnSpPr>
+        <p:spPr>
+          <a:xfrm>
+            <a:off x="5509939" y="3199736"/>
+            <a:ext cx="0" cy="1449245"/>
+          </a:xfrm>
+          <a:prstGeom prst="line">
+            <a:avLst/>
+          </a:prstGeom>
+          <a:ln w="76200"/>
+        </p:spPr>
+        <p:style>
+          <a:lnRef idx="1">
+            <a:schemeClr val="accent2"/>
+          </a:lnRef>
+          <a:fillRef idx="0">
+            <a:schemeClr val="accent2"/>
+          </a:fillRef>
+          <a:effectRef idx="0">
+            <a:schemeClr val="accent2"/>
+          </a:effectRef>
+          <a:fontRef idx="minor">
+            <a:schemeClr val="tx1"/>
+          </a:fontRef>
+        </p:style>
+      </p:cxnSp>
+      <p:cxnSp>
+        <p:nvCxnSpPr>
+          <p:cNvPr id="25" name="直接连接符 24">
+            <a:extLst>
+              <a:ext uri="{FF2B5EF4-FFF2-40B4-BE49-F238E27FC236}">
+                <a16:creationId xmlns:a16="http://schemas.microsoft.com/office/drawing/2014/main" id="{1FC8AAD9-8441-464B-9F7C-68166E707D67}"/>
+              </a:ext>
+            </a:extLst>
+          </p:cNvPr>
+          <p:cNvCxnSpPr>
+            <a:cxnSpLocks/>
+          </p:cNvCxnSpPr>
+          <p:nvPr/>
+        </p:nvCxnSpPr>
+        <p:spPr>
+          <a:xfrm>
+            <a:off x="4022897" y="3199738"/>
+            <a:ext cx="0" cy="1449245"/>
+          </a:xfrm>
+          <a:prstGeom prst="line">
+            <a:avLst/>
+          </a:prstGeom>
+          <a:ln w="76200"/>
+        </p:spPr>
+        <p:style>
+          <a:lnRef idx="1">
+            <a:schemeClr val="accent2"/>
+          </a:lnRef>
+          <a:fillRef idx="0">
+            <a:schemeClr val="accent2"/>
+          </a:fillRef>
+          <a:effectRef idx="0">
+            <a:schemeClr val="accent2"/>
+          </a:effectRef>
+          <a:fontRef idx="minor">
+            <a:schemeClr val="tx1"/>
+          </a:fontRef>
+        </p:style>
+      </p:cxnSp>
+      <p:cxnSp>
+        <p:nvCxnSpPr>
+          <p:cNvPr id="26" name="直接连接符 25">
+            <a:extLst>
+              <a:ext uri="{FF2B5EF4-FFF2-40B4-BE49-F238E27FC236}">
+                <a16:creationId xmlns:a16="http://schemas.microsoft.com/office/drawing/2014/main" id="{117A35F7-3C3E-45F9-918B-9F1713C9603E}"/>
+              </a:ext>
+            </a:extLst>
+          </p:cNvPr>
+          <p:cNvCxnSpPr>
+            <a:cxnSpLocks/>
+          </p:cNvCxnSpPr>
+          <p:nvPr/>
+        </p:nvCxnSpPr>
+        <p:spPr>
+          <a:xfrm>
+            <a:off x="4796218" y="3199737"/>
+            <a:ext cx="0" cy="1449245"/>
+          </a:xfrm>
+          <a:prstGeom prst="line">
+            <a:avLst/>
+          </a:prstGeom>
+          <a:ln w="76200"/>
+        </p:spPr>
+        <p:style>
+          <a:lnRef idx="1">
+            <a:schemeClr val="accent2"/>
+          </a:lnRef>
+          <a:fillRef idx="0">
+            <a:schemeClr val="accent2"/>
+          </a:fillRef>
+          <a:effectRef idx="0">
+            <a:schemeClr val="accent2"/>
+          </a:effectRef>
+          <a:fontRef idx="minor">
+            <a:schemeClr val="tx1"/>
+          </a:fontRef>
+        </p:style>
+      </p:cxnSp>
+      <p:cxnSp>
+        <p:nvCxnSpPr>
+          <p:cNvPr id="27" name="直接连接符 26">
+            <a:extLst>
+              <a:ext uri="{FF2B5EF4-FFF2-40B4-BE49-F238E27FC236}">
+                <a16:creationId xmlns:a16="http://schemas.microsoft.com/office/drawing/2014/main" id="{DB8B666D-7DB4-44A6-ADD9-66A3D663E2CC}"/>
+              </a:ext>
+            </a:extLst>
+          </p:cNvPr>
+          <p:cNvCxnSpPr>
+            <a:cxnSpLocks/>
+          </p:cNvCxnSpPr>
+          <p:nvPr/>
+        </p:nvCxnSpPr>
+        <p:spPr>
+          <a:xfrm>
+            <a:off x="4420443" y="3199737"/>
+            <a:ext cx="0" cy="1449245"/>
+          </a:xfrm>
+          <a:prstGeom prst="line">
+            <a:avLst/>
+          </a:prstGeom>
+          <a:ln w="76200"/>
+        </p:spPr>
+        <p:style>
+          <a:lnRef idx="1">
+            <a:schemeClr val="accent2"/>
+          </a:lnRef>
+          <a:fillRef idx="0">
+            <a:schemeClr val="accent2"/>
+          </a:fillRef>
+          <a:effectRef idx="0">
+            <a:schemeClr val="accent2"/>
+          </a:effectRef>
+          <a:fontRef idx="minor">
+            <a:schemeClr val="tx1"/>
+          </a:fontRef>
+        </p:style>
+      </p:cxnSp>
+      <p:sp>
+        <p:nvSpPr>
+          <p:cNvPr id="29" name="文本框 28">
+            <a:extLst>
+              <a:ext uri="{FF2B5EF4-FFF2-40B4-BE49-F238E27FC236}">
+                <a16:creationId xmlns:a16="http://schemas.microsoft.com/office/drawing/2014/main" id="{EB587E43-5D03-4A7C-A468-CE14BDF7BDBC}"/>
+              </a:ext>
+            </a:extLst>
+          </p:cNvPr>
+          <p:cNvSpPr txBox="1"/>
+          <p:nvPr/>
+        </p:nvSpPr>
+        <p:spPr>
+          <a:xfrm>
+            <a:off x="4928295" y="3688277"/>
+            <a:ext cx="1271014" cy="369332"/>
+          </a:xfrm>
+          <a:prstGeom prst="rect">
+            <a:avLst/>
+          </a:prstGeom>
+          <a:noFill/>
+        </p:spPr>
+        <p:txBody>
+          <a:bodyPr wrap="square" rtlCol="0">
+            <a:spAutoFit/>
+          </a:bodyPr>
+          <a:lstStyle/>
+          <a:p>
+            <a:r>
+              <a:rPr lang="en-US" altLang="zh-CN" dirty="0"/>
+              <a:t>……</a:t>
+            </a:r>
+            <a:endParaRPr lang="zh-SG" altLang="en-US" dirty="0"/>
+          </a:p>
+        </p:txBody>
+      </p:sp>
+      <p:sp>
+        <p:nvSpPr>
+          <p:cNvPr id="34" name="文本框 33">
+            <a:extLst>
+              <a:ext uri="{FF2B5EF4-FFF2-40B4-BE49-F238E27FC236}">
+                <a16:creationId xmlns:a16="http://schemas.microsoft.com/office/drawing/2014/main" id="{EA3E444E-3606-42D1-9507-264D47649487}"/>
+              </a:ext>
+            </a:extLst>
+          </p:cNvPr>
+          <p:cNvSpPr txBox="1"/>
+          <p:nvPr/>
+        </p:nvSpPr>
+        <p:spPr>
+          <a:xfrm>
+            <a:off x="3883224" y="5128415"/>
+            <a:ext cx="2577845" cy="646331"/>
+          </a:xfrm>
+          <a:prstGeom prst="rect">
+            <a:avLst/>
+          </a:prstGeom>
+          <a:noFill/>
+        </p:spPr>
+        <p:txBody>
+          <a:bodyPr wrap="square" rtlCol="0">
+            <a:spAutoFit/>
+          </a:bodyPr>
+          <a:lstStyle/>
+          <a:p>
+            <a:r>
+              <a:rPr lang="zh-CN" altLang="en-US" b="1" dirty="0">
+                <a:solidFill>
+                  <a:schemeClr val="accent2">
+                    <a:lumMod val="75000"/>
+                  </a:schemeClr>
+                </a:solidFill>
+              </a:rPr>
+              <a:t>合并线程</a:t>
+            </a:r>
+            <a:endParaRPr lang="en-US" altLang="zh-CN" b="1" dirty="0">
+              <a:solidFill>
+                <a:schemeClr val="accent2">
+                  <a:lumMod val="75000"/>
+                </a:schemeClr>
+              </a:solidFill>
+            </a:endParaRPr>
+          </a:p>
+          <a:p>
+            <a:r>
+              <a:rPr lang="zh-CN" altLang="en-US" dirty="0"/>
+              <a:t>并发地合并取样结果</a:t>
+            </a:r>
+            <a:endParaRPr lang="zh-SG" altLang="en-US" dirty="0"/>
+          </a:p>
+        </p:txBody>
+      </p:sp>
+      <p:cxnSp>
+        <p:nvCxnSpPr>
+          <p:cNvPr id="16" name="直接连接符 15">
+            <a:extLst>
+              <a:ext uri="{FF2B5EF4-FFF2-40B4-BE49-F238E27FC236}">
+                <a16:creationId xmlns:a16="http://schemas.microsoft.com/office/drawing/2014/main" id="{CBED0DE5-879B-49A7-91B4-D5D250CF2708}"/>
+              </a:ext>
+            </a:extLst>
+          </p:cNvPr>
+          <p:cNvCxnSpPr>
+            <a:cxnSpLocks/>
+          </p:cNvCxnSpPr>
+          <p:nvPr/>
+        </p:nvCxnSpPr>
+        <p:spPr>
+          <a:xfrm>
+            <a:off x="1576251" y="1767797"/>
+            <a:ext cx="3747772" cy="0"/>
+          </a:xfrm>
+          <a:prstGeom prst="line">
+            <a:avLst/>
+          </a:prstGeom>
+          <a:ln w="19050">
+            <a:prstDash val="dashDot"/>
+          </a:ln>
+        </p:spPr>
+        <p:style>
+          <a:lnRef idx="1">
+            <a:schemeClr val="accent2"/>
+          </a:lnRef>
+          <a:fillRef idx="0">
+            <a:schemeClr val="accent2"/>
+          </a:fillRef>
+          <a:effectRef idx="0">
+            <a:schemeClr val="accent2"/>
+          </a:effectRef>
+          <a:fontRef idx="minor">
+            <a:schemeClr val="tx1"/>
+          </a:fontRef>
+        </p:style>
+      </p:cxnSp>
+      <p:sp>
+        <p:nvSpPr>
+          <p:cNvPr id="36" name="文本框 35">
+            <a:extLst>
+              <a:ext uri="{FF2B5EF4-FFF2-40B4-BE49-F238E27FC236}">
+                <a16:creationId xmlns:a16="http://schemas.microsoft.com/office/drawing/2014/main" id="{257470E5-6A60-41CE-B879-2927EF5AAFCA}"/>
+              </a:ext>
+            </a:extLst>
+          </p:cNvPr>
+          <p:cNvSpPr txBox="1"/>
+          <p:nvPr/>
+        </p:nvSpPr>
+        <p:spPr>
+          <a:xfrm>
+            <a:off x="5324022" y="1566360"/>
+            <a:ext cx="2516957" cy="584775"/>
+          </a:xfrm>
+          <a:prstGeom prst="rect">
+            <a:avLst/>
+          </a:prstGeom>
+          <a:noFill/>
+        </p:spPr>
+        <p:txBody>
+          <a:bodyPr wrap="square" rtlCol="0">
+            <a:spAutoFit/>
+          </a:bodyPr>
+          <a:lstStyle/>
+          <a:p>
+            <a:r>
+              <a:rPr lang="zh-CN" altLang="en-US" sz="1600" dirty="0">
+                <a:solidFill>
+                  <a:schemeClr val="accent2">
+                    <a:lumMod val="75000"/>
+                  </a:schemeClr>
+                </a:solidFill>
+              </a:rPr>
+              <a:t>在某一时间点</a:t>
+            </a:r>
+            <a:br>
+              <a:rPr lang="en-US" altLang="zh-CN" sz="1600" dirty="0">
+                <a:solidFill>
+                  <a:schemeClr val="accent2">
+                    <a:lumMod val="75000"/>
+                  </a:schemeClr>
+                </a:solidFill>
+              </a:rPr>
+            </a:br>
+            <a:r>
+              <a:rPr lang="zh-CN" altLang="en-US" sz="1600" dirty="0">
+                <a:solidFill>
+                  <a:schemeClr val="accent2">
+                    <a:lumMod val="75000"/>
+                  </a:schemeClr>
+                </a:solidFill>
+              </a:rPr>
+              <a:t>收集各采样线程取样结果</a:t>
+            </a:r>
+            <a:endParaRPr lang="zh-SG" altLang="en-US" sz="1600" dirty="0">
+              <a:solidFill>
+                <a:schemeClr val="accent2">
+                  <a:lumMod val="75000"/>
+                </a:schemeClr>
+              </a:solidFill>
+            </a:endParaRPr>
+          </a:p>
+        </p:txBody>
+      </p:sp>
+      <p:cxnSp>
+        <p:nvCxnSpPr>
+          <p:cNvPr id="12" name="直接箭头连接符 11">
+            <a:extLst>
+              <a:ext uri="{FF2B5EF4-FFF2-40B4-BE49-F238E27FC236}">
+                <a16:creationId xmlns:a16="http://schemas.microsoft.com/office/drawing/2014/main" id="{ABE85F17-EF69-4BFD-BB80-EB6DCA142371}"/>
+              </a:ext>
+            </a:extLst>
+          </p:cNvPr>
+          <p:cNvCxnSpPr/>
+          <p:nvPr/>
+        </p:nvCxnSpPr>
+        <p:spPr>
+          <a:xfrm>
+            <a:off x="5760720" y="3872943"/>
+            <a:ext cx="929640" cy="0"/>
+          </a:xfrm>
+          <a:prstGeom prst="straightConnector1">
+            <a:avLst/>
+          </a:prstGeom>
+          <a:ln>
+            <a:tailEnd type="triangle"/>
+          </a:ln>
+        </p:spPr>
+        <p:style>
+          <a:lnRef idx="1">
+            <a:schemeClr val="accent1"/>
+          </a:lnRef>
+          <a:fillRef idx="0">
+            <a:schemeClr val="accent1"/>
+          </a:fillRef>
+          <a:effectRef idx="0">
+            <a:schemeClr val="accent1"/>
+          </a:effectRef>
+          <a:fontRef idx="minor">
+            <a:schemeClr val="tx1"/>
+          </a:fontRef>
+        </p:style>
+      </p:cxnSp>
+      <p:cxnSp>
+        <p:nvCxnSpPr>
+          <p:cNvPr id="35" name="直接连接符 34">
+            <a:extLst>
+              <a:ext uri="{FF2B5EF4-FFF2-40B4-BE49-F238E27FC236}">
+                <a16:creationId xmlns:a16="http://schemas.microsoft.com/office/drawing/2014/main" id="{EF291838-FC89-48EF-BA05-1D7DDE8AB5BE}"/>
+              </a:ext>
+            </a:extLst>
+          </p:cNvPr>
+          <p:cNvCxnSpPr>
+            <a:cxnSpLocks/>
+          </p:cNvCxnSpPr>
+          <p:nvPr/>
+        </p:nvCxnSpPr>
+        <p:spPr>
+          <a:xfrm>
+            <a:off x="6980599" y="3199735"/>
+            <a:ext cx="0" cy="1449245"/>
+          </a:xfrm>
+          <a:prstGeom prst="line">
+            <a:avLst/>
+          </a:prstGeom>
+          <a:ln w="76200"/>
+        </p:spPr>
+        <p:style>
+          <a:lnRef idx="1">
+            <a:schemeClr val="accent2"/>
+          </a:lnRef>
+          <a:fillRef idx="0">
+            <a:schemeClr val="accent2"/>
+          </a:fillRef>
+          <a:effectRef idx="0">
+            <a:schemeClr val="accent2"/>
+          </a:effectRef>
+          <a:fontRef idx="minor">
+            <a:schemeClr val="tx1"/>
+          </a:fontRef>
+        </p:style>
+      </p:cxnSp>
+      <p:sp>
+        <p:nvSpPr>
+          <p:cNvPr id="13" name="文本框 12">
+            <a:extLst>
+              <a:ext uri="{FF2B5EF4-FFF2-40B4-BE49-F238E27FC236}">
+                <a16:creationId xmlns:a16="http://schemas.microsoft.com/office/drawing/2014/main" id="{E359B672-E291-46AB-AB91-5EDD335DB754}"/>
+              </a:ext>
+            </a:extLst>
+          </p:cNvPr>
+          <p:cNvSpPr txBox="1"/>
+          <p:nvPr/>
+        </p:nvSpPr>
+        <p:spPr>
+          <a:xfrm>
+            <a:off x="7132318" y="3687432"/>
+            <a:ext cx="3840891" cy="646331"/>
+          </a:xfrm>
+          <a:prstGeom prst="rect">
+            <a:avLst/>
+          </a:prstGeom>
+          <a:noFill/>
+        </p:spPr>
+        <p:txBody>
+          <a:bodyPr wrap="square" rtlCol="0">
+            <a:spAutoFit/>
+          </a:bodyPr>
+          <a:lstStyle/>
+          <a:p>
+            <a:r>
+              <a:rPr lang="zh-CN" altLang="en-US" dirty="0"/>
+              <a:t>将所有取样结果合并为一个</a:t>
+            </a:r>
+            <a:endParaRPr lang="en-US" altLang="zh-CN" dirty="0"/>
+          </a:p>
+          <a:p>
+            <a:r>
+              <a:rPr lang="zh-CN" altLang="en-US" dirty="0"/>
+              <a:t>此即为并行蓄水池取样算法的结果</a:t>
+            </a:r>
+            <a:endParaRPr lang="zh-SG" altLang="en-US" dirty="0"/>
+          </a:p>
+        </p:txBody>
+      </p:sp>
+      <p:sp>
+        <p:nvSpPr>
+          <p:cNvPr id="14" name="左大括号 13">
+            <a:extLst>
+              <a:ext uri="{FF2B5EF4-FFF2-40B4-BE49-F238E27FC236}">
+                <a16:creationId xmlns:a16="http://schemas.microsoft.com/office/drawing/2014/main" id="{43596093-F343-4C62-9E57-63A8AE41CFA0}"/>
+              </a:ext>
+            </a:extLst>
+          </p:cNvPr>
+          <p:cNvSpPr/>
+          <p:nvPr/>
+        </p:nvSpPr>
+        <p:spPr>
+          <a:xfrm rot="16200000">
+            <a:off x="4115598" y="4635976"/>
+            <a:ext cx="106681" cy="292082"/>
+          </a:xfrm>
+          <a:prstGeom prst="leftBrace">
+            <a:avLst/>
+          </a:prstGeom>
+        </p:spPr>
+        <p:style>
+          <a:lnRef idx="1">
+            <a:schemeClr val="accent1"/>
+          </a:lnRef>
+          <a:fillRef idx="0">
+            <a:schemeClr val="accent1"/>
+          </a:fillRef>
+          <a:effectRef idx="0">
+            <a:schemeClr val="accent1"/>
+          </a:effectRef>
+          <a:fontRef idx="minor">
+            <a:schemeClr val="tx1"/>
+          </a:fontRef>
+        </p:style>
+        <p:txBody>
+          <a:bodyPr rtlCol="0" anchor="ctr"/>
+          <a:lstStyle/>
+          <a:p>
+            <a:pPr algn="ctr"/>
+            <a:endParaRPr lang="zh-SG" altLang="en-US"/>
+          </a:p>
+        </p:txBody>
+      </p:sp>
+      <p:sp>
+        <p:nvSpPr>
+          <p:cNvPr id="37" name="左大括号 36">
+            <a:extLst>
+              <a:ext uri="{FF2B5EF4-FFF2-40B4-BE49-F238E27FC236}">
+                <a16:creationId xmlns:a16="http://schemas.microsoft.com/office/drawing/2014/main" id="{32D24AD1-1754-4A2D-9BD3-11CD1E72FC6C}"/>
+              </a:ext>
+            </a:extLst>
+          </p:cNvPr>
+          <p:cNvSpPr/>
+          <p:nvPr/>
+        </p:nvSpPr>
+        <p:spPr>
+          <a:xfrm rot="16200000">
+            <a:off x="5099740" y="4425155"/>
+            <a:ext cx="106679" cy="713722"/>
+          </a:xfrm>
+          <a:prstGeom prst="leftBrace">
+            <a:avLst>
+              <a:gd name="adj1" fmla="val 8333"/>
+              <a:gd name="adj2" fmla="val 50356"/>
+            </a:avLst>
+          </a:prstGeom>
+        </p:spPr>
+        <p:style>
+          <a:lnRef idx="1">
+            <a:schemeClr val="accent1"/>
+          </a:lnRef>
+          <a:fillRef idx="0">
+            <a:schemeClr val="accent1"/>
+          </a:fillRef>
+          <a:effectRef idx="0">
+            <a:schemeClr val="accent1"/>
+          </a:effectRef>
+          <a:fontRef idx="minor">
+            <a:schemeClr val="tx1"/>
+          </a:fontRef>
+        </p:style>
+        <p:txBody>
+          <a:bodyPr rtlCol="0" anchor="ctr"/>
+          <a:lstStyle/>
+          <a:p>
+            <a:pPr algn="ctr"/>
+            <a:endParaRPr lang="zh-SG" altLang="en-US"/>
+          </a:p>
+        </p:txBody>
+      </p:sp>
+      <p:sp>
+        <p:nvSpPr>
+          <p:cNvPr id="39" name="左大括号 38">
+            <a:extLst>
+              <a:ext uri="{FF2B5EF4-FFF2-40B4-BE49-F238E27FC236}">
+                <a16:creationId xmlns:a16="http://schemas.microsoft.com/office/drawing/2014/main" id="{B6468FA9-5CC5-4FA5-B74B-792191CE638C}"/>
+              </a:ext>
+            </a:extLst>
+          </p:cNvPr>
+          <p:cNvSpPr/>
+          <p:nvPr/>
+        </p:nvSpPr>
+        <p:spPr>
+          <a:xfrm rot="16200000">
+            <a:off x="4617205" y="4524292"/>
+            <a:ext cx="106677" cy="1003211"/>
+          </a:xfrm>
+          <a:prstGeom prst="leftBrace">
+            <a:avLst/>
+          </a:prstGeom>
+        </p:spPr>
+        <p:style>
+          <a:lnRef idx="1">
+            <a:schemeClr val="accent1"/>
+          </a:lnRef>
+          <a:fillRef idx="0">
+            <a:schemeClr val="accent1"/>
+          </a:fillRef>
+          <a:effectRef idx="0">
+            <a:schemeClr val="accent1"/>
+          </a:effectRef>
+          <a:fontRef idx="minor">
+            <a:schemeClr val="tx1"/>
+          </a:fontRef>
+        </p:style>
+        <p:txBody>
+          <a:bodyPr rtlCol="0" anchor="ctr"/>
+          <a:lstStyle/>
+          <a:p>
+            <a:pPr algn="ctr"/>
+            <a:endParaRPr lang="zh-SG" altLang="en-US"/>
+          </a:p>
+        </p:txBody>
+      </p:sp>
+      <p:sp>
+        <p:nvSpPr>
+          <p:cNvPr id="15" name="文本框 14">
+            <a:extLst>
+              <a:ext uri="{FF2B5EF4-FFF2-40B4-BE49-F238E27FC236}">
+                <a16:creationId xmlns:a16="http://schemas.microsoft.com/office/drawing/2014/main" id="{7DBEDE36-54B0-4542-9BCF-B354FA149BA0}"/>
+              </a:ext>
+            </a:extLst>
+          </p:cNvPr>
+          <p:cNvSpPr txBox="1"/>
+          <p:nvPr/>
+        </p:nvSpPr>
+        <p:spPr>
+          <a:xfrm>
+            <a:off x="339098" y="2528970"/>
+            <a:ext cx="2330211" cy="369332"/>
+          </a:xfrm>
+          <a:prstGeom prst="rect">
+            <a:avLst/>
+          </a:prstGeom>
+          <a:noFill/>
+        </p:spPr>
+        <p:txBody>
+          <a:bodyPr wrap="square" rtlCol="0">
+            <a:spAutoFit/>
+          </a:bodyPr>
+          <a:lstStyle/>
+          <a:p>
+            <a:r>
+              <a:rPr lang="zh-CN" altLang="en-US" dirty="0">
+                <a:solidFill>
+                  <a:schemeClr val="accent1">
+                    <a:lumMod val="75000"/>
+                  </a:schemeClr>
+                </a:solidFill>
+              </a:rPr>
+              <a:t>长短不一的数据流</a:t>
+            </a:r>
+            <a:endParaRPr lang="zh-SG" altLang="en-US" dirty="0">
+              <a:solidFill>
+                <a:schemeClr val="accent1">
+                  <a:lumMod val="75000"/>
+                </a:schemeClr>
+              </a:solidFill>
+            </a:endParaRPr>
+          </a:p>
+        </p:txBody>
+      </p:sp>
+      <p:sp>
+        <p:nvSpPr>
+          <p:cNvPr id="17" name="文本框 16">
+            <a:extLst>
+              <a:ext uri="{FF2B5EF4-FFF2-40B4-BE49-F238E27FC236}">
+                <a16:creationId xmlns:a16="http://schemas.microsoft.com/office/drawing/2014/main" id="{918E4816-6948-4E2B-A9D2-F542CB954E22}"/>
+              </a:ext>
+            </a:extLst>
+          </p:cNvPr>
+          <p:cNvSpPr txBox="1"/>
+          <p:nvPr/>
+        </p:nvSpPr>
+        <p:spPr>
+          <a:xfrm>
+            <a:off x="5958840" y="4748321"/>
+            <a:ext cx="2369819" cy="369332"/>
+          </a:xfrm>
+          <a:prstGeom prst="rect">
+            <a:avLst/>
+          </a:prstGeom>
+          <a:noFill/>
+        </p:spPr>
+        <p:txBody>
+          <a:bodyPr wrap="square" rtlCol="0">
+            <a:spAutoFit/>
+          </a:bodyPr>
+          <a:lstStyle/>
+          <a:p>
+            <a:r>
+              <a:rPr lang="zh-CN" altLang="en-US" dirty="0">
+                <a:solidFill>
+                  <a:schemeClr val="accent2">
+                    <a:lumMod val="75000"/>
+                  </a:schemeClr>
+                </a:solidFill>
+              </a:rPr>
+              <a:t>取样结果等长，均为</a:t>
+            </a:r>
+            <a:r>
+              <a:rPr lang="en-US" altLang="zh-CN" dirty="0">
+                <a:solidFill>
+                  <a:schemeClr val="accent2">
+                    <a:lumMod val="75000"/>
+                  </a:schemeClr>
+                </a:solidFill>
+              </a:rPr>
+              <a:t>k</a:t>
+            </a:r>
+            <a:endParaRPr lang="zh-SG" altLang="en-US" dirty="0">
+              <a:solidFill>
+                <a:schemeClr val="accent2">
+                  <a:lumMod val="75000"/>
+                </a:schemeClr>
+              </a:solidFill>
+            </a:endParaRPr>
+          </a:p>
+        </p:txBody>
+      </p:sp>
+    </p:spTree>
+    <p:extLst>
+      <p:ext uri="{BB962C8B-B14F-4D97-AF65-F5344CB8AC3E}">
+        <p14:creationId xmlns:p14="http://schemas.microsoft.com/office/powerpoint/2010/main" val="894778407"/>
+      </p:ext>
+    </p:extLst>
+  </p:cSld>
+  <p:clrMapOvr>
+    <a:masterClrMapping/>
+  </p:clrMapOvr>
+</p:sld>
+</file>
+
 <file path=ppt/theme/theme1.xml><?xml version="1.0" encoding="utf-8"?>
 <a:theme xmlns:a="http://schemas.openxmlformats.org/drawingml/2006/main" name="Office 主题​​">
   <a:themeElements>
